--- a/Documentação/ppts/Apresentação.pptx
+++ b/Documentação/ppts/Apresentação.pptx
@@ -5,7 +5,7 @@
     <p:sldMasterId id="2147483657" r:id="rId1"/>
   </p:sldMasterIdLst>
   <p:notesMasterIdLst>
-    <p:notesMasterId r:id="rId25"/>
+    <p:notesMasterId r:id="rId28"/>
   </p:notesMasterIdLst>
   <p:sldIdLst>
     <p:sldId id="256" r:id="rId2"/>
@@ -27,34 +27,37 @@
     <p:sldId id="303" r:id="rId18"/>
     <p:sldId id="304" r:id="rId19"/>
     <p:sldId id="298" r:id="rId20"/>
-    <p:sldId id="262" r:id="rId21"/>
-    <p:sldId id="296" r:id="rId22"/>
-    <p:sldId id="279" r:id="rId23"/>
-    <p:sldId id="297" r:id="rId24"/>
+    <p:sldId id="305" r:id="rId21"/>
+    <p:sldId id="306" r:id="rId22"/>
+    <p:sldId id="308" r:id="rId23"/>
+    <p:sldId id="307" r:id="rId24"/>
+    <p:sldId id="262" r:id="rId25"/>
+    <p:sldId id="279" r:id="rId26"/>
+    <p:sldId id="297" r:id="rId27"/>
   </p:sldIdLst>
   <p:sldSz cx="9144000" cy="5143500" type="screen16x9"/>
   <p:notesSz cx="6858000" cy="9144000"/>
   <p:embeddedFontLst>
     <p:embeddedFont>
-      <p:font typeface="Arvo" panose="020B0604020202020204" charset="0"/>
-      <p:regular r:id="rId26"/>
-      <p:bold r:id="rId27"/>
-      <p:italic r:id="rId28"/>
-      <p:boldItalic r:id="rId29"/>
-    </p:embeddedFont>
-    <p:embeddedFont>
       <p:font typeface="Roboto Condensed" panose="020B0604020202020204" charset="0"/>
-      <p:regular r:id="rId30"/>
-      <p:bold r:id="rId31"/>
-      <p:italic r:id="rId32"/>
-      <p:boldItalic r:id="rId33"/>
+      <p:regular r:id="rId29"/>
+      <p:bold r:id="rId30"/>
+      <p:italic r:id="rId31"/>
+      <p:boldItalic r:id="rId32"/>
     </p:embeddedFont>
     <p:embeddedFont>
       <p:font typeface="Roboto Condensed Light" panose="020B0604020202020204" charset="0"/>
-      <p:regular r:id="rId34"/>
-      <p:bold r:id="rId35"/>
-      <p:italic r:id="rId36"/>
-      <p:boldItalic r:id="rId37"/>
+      <p:regular r:id="rId33"/>
+      <p:bold r:id="rId34"/>
+      <p:italic r:id="rId35"/>
+      <p:boldItalic r:id="rId36"/>
+    </p:embeddedFont>
+    <p:embeddedFont>
+      <p:font typeface="Arvo" panose="020B0604020202020204" charset="0"/>
+      <p:regular r:id="rId37"/>
+      <p:bold r:id="rId38"/>
+      <p:italic r:id="rId39"/>
+      <p:boldItalic r:id="rId40"/>
     </p:embeddedFont>
   </p:embeddedFontLst>
   <p:defaultTextStyle>
@@ -286,6 +289,11 @@
       </a:defRPr>
     </a:lvl9pPr>
   </p:defaultTextStyle>
+  <p:extLst>
+    <p:ext uri="{EFAFB233-063F-42B5-8137-9DF3F51BA10A}">
+      <p15:sldGuideLst xmlns:p15="http://schemas.microsoft.com/office/powerpoint/2012/main"/>
+    </p:ext>
+  </p:extLst>
 </p:presentation>
 </file>
 
@@ -10880,6 +10888,10 @@
           </a:bodyPr>
           <a:lstStyle/>
           <a:p>
+            <a:r>
+              <a:rPr lang="en" sz="3200" dirty="0"/>
+              <a:t/>
+            </a:r>
             <a:br>
               <a:rPr lang="en" sz="3200" dirty="0"/>
             </a:br>
@@ -13167,7 +13179,7 @@
           <a:lstStyle/>
           <a:p>
             <a:r>
-              <a:rPr lang="en"/>
+              <a:rPr lang="en" dirty="0"/>
               <a:t>INTRODUÇÃO</a:t>
             </a:r>
           </a:p>
@@ -13430,7 +13442,7 @@
             <a:blip r:embed="rId3">
               <a:extLst>
                 <a:ext uri="{96DAC541-7B7A-43D3-8B79-37D633B846F1}">
-                  <asvg:svgBlip xmlns:asvg="http://schemas.microsoft.com/office/drawing/2016/SVG/main" r:embed="rId4"/>
+                  <asvg:svgBlip xmlns="" xmlns:asvg="http://schemas.microsoft.com/office/drawing/2016/SVG/main" r:embed="rId4"/>
                 </a:ext>
               </a:extLst>
             </a:blip>
@@ -13541,7 +13553,7 @@
             <a:blip r:embed="rId5">
               <a:extLst>
                 <a:ext uri="{96DAC541-7B7A-43D3-8B79-37D633B846F1}">
-                  <asvg:svgBlip xmlns:asvg="http://schemas.microsoft.com/office/drawing/2016/SVG/main" r:embed="rId6"/>
+                  <asvg:svgBlip xmlns="" xmlns:asvg="http://schemas.microsoft.com/office/drawing/2016/SVG/main" r:embed="rId6"/>
                 </a:ext>
               </a:extLst>
             </a:blip>
@@ -13599,7 +13611,7 @@
         </p:nvSpPr>
         <p:spPr>
           <a:xfrm>
-            <a:off x="2572923" y="1874137"/>
+            <a:off x="2514630" y="1840271"/>
             <a:ext cx="4632210" cy="1754326"/>
           </a:xfrm>
           <a:prstGeom prst="rect">
@@ -13618,8 +13630,22 @@
               <a:buChar char="•"/>
             </a:pPr>
             <a:r>
-              <a:rPr lang="pt-BR" sz="1600" dirty="0"/>
-              <a:t>-----</a:t>
+              <a:rPr lang="pt-BR" sz="1600" dirty="0" smtClean="0"/>
+              <a:t>Crescimento de 22% a 25% em 2021</a:t>
+            </a:r>
+            <a:endParaRPr lang="pt-BR" sz="1600" dirty="0"/>
+          </a:p>
+          <a:p>
+            <a:endParaRPr lang="pt-BR" sz="1600" dirty="0"/>
+          </a:p>
+          <a:p>
+            <a:pPr marL="285750" indent="-285750">
+              <a:buFont typeface="Arial" panose="020B0604020202020204" pitchFamily="34" charset="0"/>
+              <a:buChar char="•"/>
+            </a:pPr>
+            <a:r>
+              <a:rPr lang="pt-BR" sz="1600" dirty="0" smtClean="0"/>
+              <a:t>Crescimento de 31% em média no gasto</a:t>
             </a:r>
           </a:p>
           <a:p>
@@ -13636,25 +13662,13 @@
             </a:pPr>
             <a:r>
               <a:rPr lang="pt-BR" sz="1600" dirty="0"/>
-              <a:t>-----</a:t>
+              <a:t>Aumento no </a:t>
             </a:r>
-          </a:p>
-          <a:p>
-            <a:pPr marL="285750" indent="-285750">
-              <a:buFont typeface="Arial" panose="020B0604020202020204" pitchFamily="34" charset="0"/>
-              <a:buChar char="•"/>
-            </a:pPr>
+            <a:r>
+              <a:rPr lang="pt-BR" sz="1600" dirty="0" smtClean="0"/>
+              <a:t>consumo</a:t>
+            </a:r>
             <a:endParaRPr lang="pt-BR" sz="1600" dirty="0"/>
-          </a:p>
-          <a:p>
-            <a:pPr marL="285750" indent="-285750">
-              <a:buFont typeface="Arial" panose="020B0604020202020204" pitchFamily="34" charset="0"/>
-              <a:buChar char="•"/>
-            </a:pPr>
-            <a:r>
-              <a:rPr lang="pt-BR" sz="1600" dirty="0"/>
-              <a:t>-----</a:t>
-            </a:r>
           </a:p>
           <a:p>
             <a:pPr marL="285750" indent="-285750">
@@ -13682,8 +13696,8 @@
         </p:nvSpPr>
         <p:spPr>
           <a:xfrm>
-            <a:off x="2514630" y="3701626"/>
-            <a:ext cx="4632210" cy="1754326"/>
+            <a:off x="2514629" y="3701626"/>
+            <a:ext cx="4956981" cy="2000548"/>
           </a:xfrm>
           <a:prstGeom prst="rect">
             <a:avLst/>
@@ -13701,8 +13715,8 @@
               <a:buChar char="•"/>
             </a:pPr>
             <a:r>
-              <a:rPr lang="pt-BR" sz="1600" dirty="0"/>
-              <a:t>-----</a:t>
+              <a:rPr lang="pt-BR" sz="1600" dirty="0" smtClean="0"/>
+              <a:t>Movimento no mercado brasileiro de 53,7 bilhões</a:t>
             </a:r>
           </a:p>
           <a:p>
@@ -13718,9 +13732,10 @@
               <a:buChar char="•"/>
             </a:pPr>
             <a:r>
-              <a:rPr lang="pt-BR" sz="1600" dirty="0"/>
-              <a:t>-----</a:t>
+              <a:rPr lang="pt-BR" sz="1600" dirty="0" smtClean="0"/>
+              <a:t>Estados Unidos lidera com 290,2 bilhões  </a:t>
             </a:r>
+            <a:endParaRPr lang="pt-BR" sz="1600" dirty="0"/>
           </a:p>
           <a:p>
             <a:pPr marL="285750" indent="-285750">
@@ -13734,16 +13749,16 @@
               <a:buFont typeface="Arial" panose="020B0604020202020204" pitchFamily="34" charset="0"/>
               <a:buChar char="•"/>
             </a:pPr>
-            <a:r>
-              <a:rPr lang="pt-BR" sz="1600" dirty="0"/>
-              <a:t>-----</a:t>
-            </a:r>
+            <a:endParaRPr lang="pt-BR" sz="1600" dirty="0"/>
           </a:p>
           <a:p>
             <a:pPr marL="285750" indent="-285750">
               <a:buFont typeface="Arial" panose="020B0604020202020204" pitchFamily="34" charset="0"/>
               <a:buChar char="•"/>
             </a:pPr>
+            <a:endParaRPr lang="pt-BR" sz="1600" dirty="0"/>
+          </a:p>
+          <a:p>
             <a:endParaRPr lang="pt-BR" dirty="0"/>
           </a:p>
           <a:p>
@@ -13760,6 +13775,610 @@
 </file>
 
 <file path=ppt/slides/slide20.xml><?xml version="1.0" encoding="utf-8"?>
+<p:sld xmlns:a="http://schemas.openxmlformats.org/drawingml/2006/main" xmlns:r="http://schemas.openxmlformats.org/officeDocument/2006/relationships" xmlns:p="http://schemas.openxmlformats.org/presentationml/2006/main">
+  <p:cSld>
+    <p:spTree>
+      <p:nvGrpSpPr>
+        <p:cNvPr id="1" name=""/>
+        <p:cNvGrpSpPr/>
+        <p:nvPr/>
+      </p:nvGrpSpPr>
+      <p:grpSpPr>
+        <a:xfrm>
+          <a:off x="0" y="0"/>
+          <a:ext cx="0" cy="0"/>
+          <a:chOff x="0" y="0"/>
+          <a:chExt cx="0" cy="0"/>
+        </a:xfrm>
+      </p:grpSpPr>
+      <p:sp>
+        <p:nvSpPr>
+          <p:cNvPr id="2" name="Title 1">
+            <a:extLst>
+              <a:ext uri="{FF2B5EF4-FFF2-40B4-BE49-F238E27FC236}">
+                <a16:creationId xmlns:a16="http://schemas.microsoft.com/office/drawing/2014/main" id="{BE024F37-A090-47F7-B2C0-A3D725B94253}"/>
+              </a:ext>
+            </a:extLst>
+          </p:cNvPr>
+          <p:cNvSpPr>
+            <a:spLocks noGrp="1"/>
+          </p:cNvSpPr>
+          <p:nvPr>
+            <p:ph type="title"/>
+          </p:nvPr>
+        </p:nvSpPr>
+        <p:spPr/>
+        <p:txBody>
+          <a:bodyPr/>
+          <a:lstStyle/>
+          <a:p>
+            <a:r>
+              <a:rPr lang="en-US" dirty="0" err="1" smtClean="0"/>
+              <a:t>Protótipo</a:t>
+            </a:r>
+            <a:r>
+              <a:rPr lang="en-US" dirty="0" smtClean="0"/>
+              <a:t> de </a:t>
+            </a:r>
+            <a:r>
+              <a:rPr lang="en-US" dirty="0" err="1" smtClean="0"/>
+              <a:t>tela</a:t>
+            </a:r>
+            <a:r>
+              <a:rPr lang="en-US" dirty="0" smtClean="0"/>
+              <a:t> – </a:t>
+            </a:r>
+            <a:r>
+              <a:rPr lang="en-US" dirty="0" err="1" smtClean="0"/>
+              <a:t>WireFrame</a:t>
+            </a:r>
+            <a:r>
+              <a:rPr lang="en-US" dirty="0" smtClean="0"/>
+              <a:t> - Login</a:t>
+            </a:r>
+            <a:endParaRPr lang="en-US" dirty="0"/>
+          </a:p>
+        </p:txBody>
+      </p:sp>
+      <p:sp>
+        <p:nvSpPr>
+          <p:cNvPr id="3" name="Slide Number Placeholder 2">
+            <a:extLst>
+              <a:ext uri="{FF2B5EF4-FFF2-40B4-BE49-F238E27FC236}">
+                <a16:creationId xmlns:a16="http://schemas.microsoft.com/office/drawing/2014/main" id="{AF289D39-D22B-4A41-8A11-37F7160D5B30}"/>
+              </a:ext>
+            </a:extLst>
+          </p:cNvPr>
+          <p:cNvSpPr>
+            <a:spLocks noGrp="1"/>
+          </p:cNvSpPr>
+          <p:nvPr>
+            <p:ph type="sldNum" idx="12"/>
+          </p:nvPr>
+        </p:nvSpPr>
+        <p:spPr/>
+        <p:txBody>
+          <a:bodyPr/>
+          <a:lstStyle/>
+          <a:p>
+            <a:pPr marL="0" lvl="0" indent="0" algn="r" rtl="0">
+              <a:spcBef>
+                <a:spcPts val="0"/>
+              </a:spcBef>
+              <a:spcAft>
+                <a:spcPts val="0"/>
+              </a:spcAft>
+              <a:buNone/>
+            </a:pPr>
+            <a:fld id="{00000000-1234-1234-1234-123412341234}" type="slidenum">
+              <a:rPr lang="en"/>
+              <a:t>20</a:t>
+            </a:fld>
+            <a:endParaRPr lang="en"/>
+          </a:p>
+        </p:txBody>
+      </p:sp>
+      <p:pic>
+        <p:nvPicPr>
+          <p:cNvPr id="5" name="Imagem 4"/>
+          <p:cNvPicPr>
+            <a:picLocks noChangeAspect="1"/>
+          </p:cNvPicPr>
+          <p:nvPr/>
+        </p:nvPicPr>
+        <p:blipFill>
+          <a:blip r:embed="rId2">
+            <a:extLst>
+              <a:ext uri="{28A0092B-C50C-407E-A947-70E740481C1C}">
+                <a14:useLocalDpi xmlns:a14="http://schemas.microsoft.com/office/drawing/2010/main" val="0"/>
+              </a:ext>
+            </a:extLst>
+          </a:blip>
+          <a:stretch>
+            <a:fillRect/>
+          </a:stretch>
+        </p:blipFill>
+        <p:spPr>
+          <a:xfrm>
+            <a:off x="374493" y="1417084"/>
+            <a:ext cx="6137964" cy="3726416"/>
+          </a:xfrm>
+          <a:prstGeom prst="rect">
+            <a:avLst/>
+          </a:prstGeom>
+        </p:spPr>
+      </p:pic>
+    </p:spTree>
+    <p:extLst>
+      <p:ext uri="{BB962C8B-B14F-4D97-AF65-F5344CB8AC3E}">
+        <p14:creationId xmlns:p14="http://schemas.microsoft.com/office/powerpoint/2010/main" val="1234009161"/>
+      </p:ext>
+    </p:extLst>
+  </p:cSld>
+  <p:clrMapOvr>
+    <a:masterClrMapping/>
+  </p:clrMapOvr>
+</p:sld>
+</file>
+
+<file path=ppt/slides/slide21.xml><?xml version="1.0" encoding="utf-8"?>
+<p:sld xmlns:a="http://schemas.openxmlformats.org/drawingml/2006/main" xmlns:r="http://schemas.openxmlformats.org/officeDocument/2006/relationships" xmlns:p="http://schemas.openxmlformats.org/presentationml/2006/main">
+  <p:cSld>
+    <p:spTree>
+      <p:nvGrpSpPr>
+        <p:cNvPr id="1" name=""/>
+        <p:cNvGrpSpPr/>
+        <p:nvPr/>
+      </p:nvGrpSpPr>
+      <p:grpSpPr>
+        <a:xfrm>
+          <a:off x="0" y="0"/>
+          <a:ext cx="0" cy="0"/>
+          <a:chOff x="0" y="0"/>
+          <a:chExt cx="0" cy="0"/>
+        </a:xfrm>
+      </p:grpSpPr>
+      <p:sp>
+        <p:nvSpPr>
+          <p:cNvPr id="2" name="Title 1">
+            <a:extLst>
+              <a:ext uri="{FF2B5EF4-FFF2-40B4-BE49-F238E27FC236}">
+                <a16:creationId xmlns:a16="http://schemas.microsoft.com/office/drawing/2014/main" id="{BE024F37-A090-47F7-B2C0-A3D725B94253}"/>
+              </a:ext>
+            </a:extLst>
+          </p:cNvPr>
+          <p:cNvSpPr>
+            <a:spLocks noGrp="1"/>
+          </p:cNvSpPr>
+          <p:nvPr>
+            <p:ph type="title"/>
+          </p:nvPr>
+        </p:nvSpPr>
+        <p:spPr/>
+        <p:txBody>
+          <a:bodyPr/>
+          <a:lstStyle/>
+          <a:p>
+            <a:r>
+              <a:rPr lang="en-US" dirty="0" err="1" smtClean="0"/>
+              <a:t>Protótipo</a:t>
+            </a:r>
+            <a:r>
+              <a:rPr lang="en-US" dirty="0" smtClean="0"/>
+              <a:t> de </a:t>
+            </a:r>
+            <a:r>
+              <a:rPr lang="en-US" dirty="0" err="1" smtClean="0"/>
+              <a:t>tela</a:t>
+            </a:r>
+            <a:r>
+              <a:rPr lang="en-US" dirty="0" smtClean="0"/>
+              <a:t> – </a:t>
+            </a:r>
+            <a:r>
+              <a:rPr lang="en-US" dirty="0" err="1" smtClean="0"/>
+              <a:t>WireFrame</a:t>
+            </a:r>
+            <a:r>
+              <a:rPr lang="en-US" dirty="0" smtClean="0"/>
+              <a:t> - </a:t>
+            </a:r>
+            <a:r>
+              <a:rPr lang="en-US" dirty="0" err="1" smtClean="0"/>
+              <a:t>DashBoard</a:t>
+            </a:r>
+            <a:endParaRPr lang="en-US" dirty="0"/>
+          </a:p>
+        </p:txBody>
+      </p:sp>
+      <p:sp>
+        <p:nvSpPr>
+          <p:cNvPr id="3" name="Slide Number Placeholder 2">
+            <a:extLst>
+              <a:ext uri="{FF2B5EF4-FFF2-40B4-BE49-F238E27FC236}">
+                <a16:creationId xmlns:a16="http://schemas.microsoft.com/office/drawing/2014/main" id="{AF289D39-D22B-4A41-8A11-37F7160D5B30}"/>
+              </a:ext>
+            </a:extLst>
+          </p:cNvPr>
+          <p:cNvSpPr>
+            <a:spLocks noGrp="1"/>
+          </p:cNvSpPr>
+          <p:nvPr>
+            <p:ph type="sldNum" idx="12"/>
+          </p:nvPr>
+        </p:nvSpPr>
+        <p:spPr/>
+        <p:txBody>
+          <a:bodyPr/>
+          <a:lstStyle/>
+          <a:p>
+            <a:pPr marL="0" lvl="0" indent="0" algn="r" rtl="0">
+              <a:spcBef>
+                <a:spcPts val="0"/>
+              </a:spcBef>
+              <a:spcAft>
+                <a:spcPts val="0"/>
+              </a:spcAft>
+              <a:buNone/>
+            </a:pPr>
+            <a:fld id="{00000000-1234-1234-1234-123412341234}" type="slidenum">
+              <a:rPr lang="en"/>
+              <a:t>21</a:t>
+            </a:fld>
+            <a:endParaRPr lang="en"/>
+          </a:p>
+        </p:txBody>
+      </p:sp>
+      <p:pic>
+        <p:nvPicPr>
+          <p:cNvPr id="4" name="Imagem 3"/>
+          <p:cNvPicPr>
+            <a:picLocks noChangeAspect="1"/>
+          </p:cNvPicPr>
+          <p:nvPr/>
+        </p:nvPicPr>
+        <p:blipFill>
+          <a:blip r:embed="rId2">
+            <a:extLst>
+              <a:ext uri="{28A0092B-C50C-407E-A947-70E740481C1C}">
+                <a14:useLocalDpi xmlns:a14="http://schemas.microsoft.com/office/drawing/2010/main" val="0"/>
+              </a:ext>
+            </a:extLst>
+          </a:blip>
+          <a:stretch>
+            <a:fillRect/>
+          </a:stretch>
+        </p:blipFill>
+        <p:spPr>
+          <a:xfrm>
+            <a:off x="206557" y="1351424"/>
+            <a:ext cx="6205532" cy="3871098"/>
+          </a:xfrm>
+          <a:prstGeom prst="rect">
+            <a:avLst/>
+          </a:prstGeom>
+        </p:spPr>
+      </p:pic>
+    </p:spTree>
+    <p:extLst>
+      <p:ext uri="{BB962C8B-B14F-4D97-AF65-F5344CB8AC3E}">
+        <p14:creationId xmlns:p14="http://schemas.microsoft.com/office/powerpoint/2010/main" val="3304344068"/>
+      </p:ext>
+    </p:extLst>
+  </p:cSld>
+  <p:clrMapOvr>
+    <a:masterClrMapping/>
+  </p:clrMapOvr>
+</p:sld>
+</file>
+
+<file path=ppt/slides/slide22.xml><?xml version="1.0" encoding="utf-8"?>
+<p:sld xmlns:a="http://schemas.openxmlformats.org/drawingml/2006/main" xmlns:r="http://schemas.openxmlformats.org/officeDocument/2006/relationships" xmlns:p="http://schemas.openxmlformats.org/presentationml/2006/main">
+  <p:cSld>
+    <p:spTree>
+      <p:nvGrpSpPr>
+        <p:cNvPr id="1" name=""/>
+        <p:cNvGrpSpPr/>
+        <p:nvPr/>
+      </p:nvGrpSpPr>
+      <p:grpSpPr>
+        <a:xfrm>
+          <a:off x="0" y="0"/>
+          <a:ext cx="0" cy="0"/>
+          <a:chOff x="0" y="0"/>
+          <a:chExt cx="0" cy="0"/>
+        </a:xfrm>
+      </p:grpSpPr>
+      <p:sp>
+        <p:nvSpPr>
+          <p:cNvPr id="2" name="Title 1">
+            <a:extLst>
+              <a:ext uri="{FF2B5EF4-FFF2-40B4-BE49-F238E27FC236}">
+                <a16:creationId xmlns:a16="http://schemas.microsoft.com/office/drawing/2014/main" id="{BE024F37-A090-47F7-B2C0-A3D725B94253}"/>
+              </a:ext>
+            </a:extLst>
+          </p:cNvPr>
+          <p:cNvSpPr>
+            <a:spLocks noGrp="1"/>
+          </p:cNvSpPr>
+          <p:nvPr>
+            <p:ph type="title"/>
+          </p:nvPr>
+        </p:nvSpPr>
+        <p:spPr/>
+        <p:txBody>
+          <a:bodyPr/>
+          <a:lstStyle/>
+          <a:p>
+            <a:r>
+              <a:rPr lang="en-US" dirty="0" err="1" smtClean="0"/>
+              <a:t>Protótipo</a:t>
+            </a:r>
+            <a:r>
+              <a:rPr lang="en-US" dirty="0" smtClean="0"/>
+              <a:t> de </a:t>
+            </a:r>
+            <a:r>
+              <a:rPr lang="en-US" dirty="0" err="1" smtClean="0"/>
+              <a:t>tela</a:t>
+            </a:r>
+            <a:r>
+              <a:rPr lang="en-US" dirty="0" smtClean="0"/>
+              <a:t> – </a:t>
+            </a:r>
+            <a:r>
+              <a:rPr lang="en-US" dirty="0" err="1" smtClean="0"/>
+              <a:t>WireFrame</a:t>
+            </a:r>
+            <a:r>
+              <a:rPr lang="en-US" dirty="0" smtClean="0"/>
+              <a:t> </a:t>
+            </a:r>
+            <a:r>
+              <a:rPr lang="en-US" dirty="0" smtClean="0"/>
+              <a:t>- </a:t>
+            </a:r>
+            <a:r>
+              <a:rPr lang="en-US" dirty="0" err="1" smtClean="0"/>
+              <a:t>Cadastro</a:t>
+            </a:r>
+            <a:endParaRPr lang="en-US" dirty="0"/>
+          </a:p>
+        </p:txBody>
+      </p:sp>
+      <p:sp>
+        <p:nvSpPr>
+          <p:cNvPr id="3" name="Slide Number Placeholder 2">
+            <a:extLst>
+              <a:ext uri="{FF2B5EF4-FFF2-40B4-BE49-F238E27FC236}">
+                <a16:creationId xmlns:a16="http://schemas.microsoft.com/office/drawing/2014/main" id="{AF289D39-D22B-4A41-8A11-37F7160D5B30}"/>
+              </a:ext>
+            </a:extLst>
+          </p:cNvPr>
+          <p:cNvSpPr>
+            <a:spLocks noGrp="1"/>
+          </p:cNvSpPr>
+          <p:nvPr>
+            <p:ph type="sldNum" idx="12"/>
+          </p:nvPr>
+        </p:nvSpPr>
+        <p:spPr/>
+        <p:txBody>
+          <a:bodyPr/>
+          <a:lstStyle/>
+          <a:p>
+            <a:pPr marL="0" lvl="0" indent="0" algn="r" rtl="0">
+              <a:spcBef>
+                <a:spcPts val="0"/>
+              </a:spcBef>
+              <a:spcAft>
+                <a:spcPts val="0"/>
+              </a:spcAft>
+              <a:buNone/>
+            </a:pPr>
+            <a:fld id="{00000000-1234-1234-1234-123412341234}" type="slidenum">
+              <a:rPr lang="en"/>
+              <a:t>22</a:t>
+            </a:fld>
+            <a:endParaRPr lang="en"/>
+          </a:p>
+        </p:txBody>
+      </p:sp>
+      <p:pic>
+        <p:nvPicPr>
+          <p:cNvPr id="4" name="Imagem 3"/>
+          <p:cNvPicPr>
+            <a:picLocks noChangeAspect="1"/>
+          </p:cNvPicPr>
+          <p:nvPr/>
+        </p:nvPicPr>
+        <p:blipFill>
+          <a:blip r:embed="rId2">
+            <a:extLst>
+              <a:ext uri="{28A0092B-C50C-407E-A947-70E740481C1C}">
+                <a14:useLocalDpi xmlns:a14="http://schemas.microsoft.com/office/drawing/2010/main" val="0"/>
+              </a:ext>
+            </a:extLst>
+          </a:blip>
+          <a:stretch>
+            <a:fillRect/>
+          </a:stretch>
+        </p:blipFill>
+        <p:spPr>
+          <a:xfrm>
+            <a:off x="0" y="1330177"/>
+            <a:ext cx="6653463" cy="3897544"/>
+          </a:xfrm>
+          <a:prstGeom prst="rect">
+            <a:avLst/>
+          </a:prstGeom>
+        </p:spPr>
+      </p:pic>
+    </p:spTree>
+    <p:extLst>
+      <p:ext uri="{BB962C8B-B14F-4D97-AF65-F5344CB8AC3E}">
+        <p14:creationId xmlns:p14="http://schemas.microsoft.com/office/powerpoint/2010/main" val="1326294751"/>
+      </p:ext>
+    </p:extLst>
+  </p:cSld>
+  <p:clrMapOvr>
+    <a:masterClrMapping/>
+  </p:clrMapOvr>
+</p:sld>
+</file>
+
+<file path=ppt/slides/slide23.xml><?xml version="1.0" encoding="utf-8"?>
+<p:sld xmlns:a="http://schemas.openxmlformats.org/drawingml/2006/main" xmlns:r="http://schemas.openxmlformats.org/officeDocument/2006/relationships" xmlns:p="http://schemas.openxmlformats.org/presentationml/2006/main">
+  <p:cSld>
+    <p:spTree>
+      <p:nvGrpSpPr>
+        <p:cNvPr id="1" name=""/>
+        <p:cNvGrpSpPr/>
+        <p:nvPr/>
+      </p:nvGrpSpPr>
+      <p:grpSpPr>
+        <a:xfrm>
+          <a:off x="0" y="0"/>
+          <a:ext cx="0" cy="0"/>
+          <a:chOff x="0" y="0"/>
+          <a:chExt cx="0" cy="0"/>
+        </a:xfrm>
+      </p:grpSpPr>
+      <p:sp>
+        <p:nvSpPr>
+          <p:cNvPr id="2" name="Title 1">
+            <a:extLst>
+              <a:ext uri="{FF2B5EF4-FFF2-40B4-BE49-F238E27FC236}">
+                <a16:creationId xmlns:a16="http://schemas.microsoft.com/office/drawing/2014/main" id="{BE024F37-A090-47F7-B2C0-A3D725B94253}"/>
+              </a:ext>
+            </a:extLst>
+          </p:cNvPr>
+          <p:cNvSpPr>
+            <a:spLocks noGrp="1"/>
+          </p:cNvSpPr>
+          <p:nvPr>
+            <p:ph type="title"/>
+          </p:nvPr>
+        </p:nvSpPr>
+        <p:spPr/>
+        <p:txBody>
+          <a:bodyPr/>
+          <a:lstStyle/>
+          <a:p>
+            <a:r>
+              <a:rPr lang="en-US" dirty="0" err="1" smtClean="0"/>
+              <a:t>Protótipo</a:t>
+            </a:r>
+            <a:r>
+              <a:rPr lang="en-US" dirty="0" smtClean="0"/>
+              <a:t> de </a:t>
+            </a:r>
+            <a:r>
+              <a:rPr lang="en-US" dirty="0" err="1" smtClean="0"/>
+              <a:t>tela</a:t>
+            </a:r>
+            <a:r>
+              <a:rPr lang="en-US" dirty="0" smtClean="0"/>
+              <a:t> – </a:t>
+            </a:r>
+            <a:r>
+              <a:rPr lang="en-US" dirty="0" err="1" smtClean="0"/>
+              <a:t>WireFrame</a:t>
+            </a:r>
+            <a:r>
+              <a:rPr lang="en-US" dirty="0" smtClean="0"/>
+              <a:t> </a:t>
+            </a:r>
+            <a:r>
+              <a:rPr lang="en-US" dirty="0" smtClean="0"/>
+              <a:t>- Site</a:t>
+            </a:r>
+            <a:endParaRPr lang="en-US" dirty="0"/>
+          </a:p>
+        </p:txBody>
+      </p:sp>
+      <p:sp>
+        <p:nvSpPr>
+          <p:cNvPr id="3" name="Slide Number Placeholder 2">
+            <a:extLst>
+              <a:ext uri="{FF2B5EF4-FFF2-40B4-BE49-F238E27FC236}">
+                <a16:creationId xmlns:a16="http://schemas.microsoft.com/office/drawing/2014/main" id="{AF289D39-D22B-4A41-8A11-37F7160D5B30}"/>
+              </a:ext>
+            </a:extLst>
+          </p:cNvPr>
+          <p:cNvSpPr>
+            <a:spLocks noGrp="1"/>
+          </p:cNvSpPr>
+          <p:nvPr>
+            <p:ph type="sldNum" idx="12"/>
+          </p:nvPr>
+        </p:nvSpPr>
+        <p:spPr/>
+        <p:txBody>
+          <a:bodyPr/>
+          <a:lstStyle/>
+          <a:p>
+            <a:pPr marL="0" lvl="0" indent="0" algn="r" rtl="0">
+              <a:spcBef>
+                <a:spcPts val="0"/>
+              </a:spcBef>
+              <a:spcAft>
+                <a:spcPts val="0"/>
+              </a:spcAft>
+              <a:buNone/>
+            </a:pPr>
+            <a:fld id="{00000000-1234-1234-1234-123412341234}" type="slidenum">
+              <a:rPr lang="en"/>
+              <a:t>23</a:t>
+            </a:fld>
+            <a:endParaRPr lang="en"/>
+          </a:p>
+        </p:txBody>
+      </p:sp>
+      <p:pic>
+        <p:nvPicPr>
+          <p:cNvPr id="5" name="Imagem 4"/>
+          <p:cNvPicPr>
+            <a:picLocks noChangeAspect="1"/>
+          </p:cNvPicPr>
+          <p:nvPr/>
+        </p:nvPicPr>
+        <p:blipFill>
+          <a:blip r:embed="rId2">
+            <a:extLst>
+              <a:ext uri="{28A0092B-C50C-407E-A947-70E740481C1C}">
+                <a14:useLocalDpi xmlns:a14="http://schemas.microsoft.com/office/drawing/2010/main" val="0"/>
+              </a:ext>
+            </a:extLst>
+          </a:blip>
+          <a:stretch>
+            <a:fillRect/>
+          </a:stretch>
+        </p:blipFill>
+        <p:spPr>
+          <a:xfrm>
+            <a:off x="126547" y="1396212"/>
+            <a:ext cx="6477454" cy="3747287"/>
+          </a:xfrm>
+          <a:prstGeom prst="rect">
+            <a:avLst/>
+          </a:prstGeom>
+        </p:spPr>
+      </p:pic>
+    </p:spTree>
+    <p:extLst>
+      <p:ext uri="{BB962C8B-B14F-4D97-AF65-F5344CB8AC3E}">
+        <p14:creationId xmlns:p14="http://schemas.microsoft.com/office/powerpoint/2010/main" val="965726022"/>
+      </p:ext>
+    </p:extLst>
+  </p:cSld>
+  <p:clrMapOvr>
+    <a:masterClrMapping/>
+  </p:clrMapOvr>
+</p:sld>
+</file>
+
+<file path=ppt/slides/slide24.xml><?xml version="1.0" encoding="utf-8"?>
 <p:sld xmlns:a="http://schemas.openxmlformats.org/drawingml/2006/main" xmlns:r="http://schemas.openxmlformats.org/officeDocument/2006/relationships" xmlns:p="http://schemas.openxmlformats.org/presentationml/2006/main">
   <p:cSld>
     <p:spTree>
@@ -13789,7 +14408,7 @@
         <p:spPr>
           <a:xfrm>
             <a:off x="197428" y="2237978"/>
-            <a:ext cx="6035290" cy="1159800"/>
+            <a:ext cx="6323158" cy="1159800"/>
           </a:xfrm>
           <a:prstGeom prst="rect">
             <a:avLst/>
@@ -13807,8 +14426,21 @@
                   <a:schemeClr val="accent5"/>
                 </a:solidFill>
               </a:rPr>
-              <a:t>SITE/ PLANNER/ MAQUINA LINUX</a:t>
+              <a:t>SITE/ PLANNER/ </a:t>
             </a:r>
+            <a:r>
+              <a:rPr lang="en" sz="6600" dirty="0" smtClean="0">
+                <a:solidFill>
+                  <a:schemeClr val="accent5"/>
+                </a:solidFill>
+              </a:rPr>
+              <a:t>API/ DASHBOARD</a:t>
+            </a:r>
+            <a:endParaRPr lang="en" sz="6600" dirty="0">
+              <a:solidFill>
+                <a:schemeClr val="accent5"/>
+              </a:solidFill>
+            </a:endParaRPr>
           </a:p>
         </p:txBody>
       </p:sp>
@@ -17402,7 +18034,7 @@
             </a:pPr>
             <a:fld id="{00000000-1234-1234-1234-123412341234}" type="slidenum">
               <a:rPr lang="en"/>
-              <a:t>20</a:t>
+              <a:t>24</a:t>
             </a:fld>
             <a:endParaRPr/>
           </a:p>
@@ -17416,105 +18048,7 @@
 </p:sld>
 </file>
 
-<file path=ppt/slides/slide21.xml><?xml version="1.0" encoding="utf-8"?>
-<p:sld xmlns:a="http://schemas.openxmlformats.org/drawingml/2006/main" xmlns:r="http://schemas.openxmlformats.org/officeDocument/2006/relationships" xmlns:p="http://schemas.openxmlformats.org/presentationml/2006/main">
-  <p:cSld>
-    <p:spTree>
-      <p:nvGrpSpPr>
-        <p:cNvPr id="1" name=""/>
-        <p:cNvGrpSpPr/>
-        <p:nvPr/>
-      </p:nvGrpSpPr>
-      <p:grpSpPr>
-        <a:xfrm>
-          <a:off x="0" y="0"/>
-          <a:ext cx="0" cy="0"/>
-          <a:chOff x="0" y="0"/>
-          <a:chExt cx="0" cy="0"/>
-        </a:xfrm>
-      </p:grpSpPr>
-      <p:sp>
-        <p:nvSpPr>
-          <p:cNvPr id="2" name="Slide Number Placeholder 1">
-            <a:extLst>
-              <a:ext uri="{FF2B5EF4-FFF2-40B4-BE49-F238E27FC236}">
-                <a16:creationId xmlns:a16="http://schemas.microsoft.com/office/drawing/2014/main" id="{BA36D60C-F6E3-491E-9596-245159A34169}"/>
-              </a:ext>
-            </a:extLst>
-          </p:cNvPr>
-          <p:cNvSpPr>
-            <a:spLocks noGrp="1"/>
-          </p:cNvSpPr>
-          <p:nvPr>
-            <p:ph type="sldNum" idx="12"/>
-          </p:nvPr>
-        </p:nvSpPr>
-        <p:spPr/>
-        <p:txBody>
-          <a:bodyPr/>
-          <a:lstStyle/>
-          <a:p>
-            <a:pPr marL="0" lvl="0" indent="0" algn="r" rtl="0">
-              <a:spcBef>
-                <a:spcPts val="0"/>
-              </a:spcBef>
-              <a:spcAft>
-                <a:spcPts val="0"/>
-              </a:spcAft>
-              <a:buNone/>
-            </a:pPr>
-            <a:fld id="{00000000-1234-1234-1234-123412341234}" type="slidenum">
-              <a:rPr lang="en"/>
-              <a:t>21</a:t>
-            </a:fld>
-            <a:endParaRPr lang="en"/>
-          </a:p>
-        </p:txBody>
-      </p:sp>
-      <p:pic>
-        <p:nvPicPr>
-          <p:cNvPr id="3" name="Picture 3" descr="Graphical user interface, website&#10;&#10;Description automatically generated">
-            <a:extLst>
-              <a:ext uri="{FF2B5EF4-FFF2-40B4-BE49-F238E27FC236}">
-                <a16:creationId xmlns:a16="http://schemas.microsoft.com/office/drawing/2014/main" id="{A9588FD6-B5FB-4A55-8030-FDEAE83409AC}"/>
-              </a:ext>
-            </a:extLst>
-          </p:cNvPr>
-          <p:cNvPicPr>
-            <a:picLocks noChangeAspect="1"/>
-          </p:cNvPicPr>
-          <p:nvPr/>
-        </p:nvPicPr>
-        <p:blipFill>
-          <a:blip r:embed="rId2"/>
-          <a:stretch>
-            <a:fillRect/>
-          </a:stretch>
-        </p:blipFill>
-        <p:spPr>
-          <a:xfrm>
-            <a:off x="0" y="2974"/>
-            <a:ext cx="9143999" cy="5179114"/>
-          </a:xfrm>
-          <a:prstGeom prst="rect">
-            <a:avLst/>
-          </a:prstGeom>
-        </p:spPr>
-      </p:pic>
-    </p:spTree>
-    <p:extLst>
-      <p:ext uri="{BB962C8B-B14F-4D97-AF65-F5344CB8AC3E}">
-        <p14:creationId xmlns:p14="http://schemas.microsoft.com/office/powerpoint/2010/main" val="4030040548"/>
-      </p:ext>
-    </p:extLst>
-  </p:cSld>
-  <p:clrMapOvr>
-    <a:masterClrMapping/>
-  </p:clrMapOvr>
-</p:sld>
-</file>
-
-<file path=ppt/slides/slide22.xml><?xml version="1.0" encoding="utf-8"?>
+<file path=ppt/slides/slide25.xml><?xml version="1.0" encoding="utf-8"?>
 <p:sld xmlns:a="http://schemas.openxmlformats.org/drawingml/2006/main" xmlns:r="http://schemas.openxmlformats.org/officeDocument/2006/relationships" xmlns:p="http://schemas.openxmlformats.org/presentationml/2006/main">
   <p:cSld>
     <p:spTree>
@@ -17567,7 +18101,7 @@
             </a:pPr>
             <a:fld id="{00000000-1234-1234-1234-123412341234}" type="slidenum">
               <a:rPr lang="en"/>
-              <a:t>22</a:t>
+              <a:t>25</a:t>
             </a:fld>
             <a:endParaRPr/>
           </a:p>
@@ -17626,7 +18160,7 @@
 </p:sld>
 </file>
 
-<file path=ppt/slides/slide23.xml><?xml version="1.0" encoding="utf-8"?>
+<file path=ppt/slides/slide26.xml><?xml version="1.0" encoding="utf-8"?>
 <p:sld xmlns:a="http://schemas.openxmlformats.org/drawingml/2006/main" xmlns:r="http://schemas.openxmlformats.org/officeDocument/2006/relationships" xmlns:p="http://schemas.openxmlformats.org/presentationml/2006/main">
   <p:cSld>
     <p:spTree>
@@ -17679,7 +18213,7 @@
             </a:pPr>
             <a:fld id="{00000000-1234-1234-1234-123412341234}" type="slidenum">
               <a:rPr lang="en"/>
-              <a:t>23</a:t>
+              <a:t>26</a:t>
             </a:fld>
             <a:endParaRPr/>
           </a:p>
@@ -18581,7 +19115,7 @@
           <a:blip r:embed="rId4">
             <a:extLst>
               <a:ext uri="{96DAC541-7B7A-43D3-8B79-37D633B846F1}">
-                <asvg:svgBlip xmlns:asvg="http://schemas.microsoft.com/office/drawing/2016/SVG/main" r:embed="rId5"/>
+                <asvg:svgBlip xmlns="" xmlns:asvg="http://schemas.microsoft.com/office/drawing/2016/SVG/main" r:embed="rId5"/>
               </a:ext>
             </a:extLst>
           </a:blip>
@@ -18782,7 +19316,7 @@
           <a:blip r:embed="rId3">
             <a:extLst>
               <a:ext uri="{96DAC541-7B7A-43D3-8B79-37D633B846F1}">
-                <asvg:svgBlip xmlns:asvg="http://schemas.microsoft.com/office/drawing/2016/SVG/main" r:embed="rId4"/>
+                <asvg:svgBlip xmlns="" xmlns:asvg="http://schemas.microsoft.com/office/drawing/2016/SVG/main" r:embed="rId4"/>
               </a:ext>
             </a:extLst>
           </a:blip>
@@ -19206,7 +19740,7 @@
                   <a14:useLocalDpi xmlns:a14="http://schemas.microsoft.com/office/drawing/2010/main" val="0"/>
                 </a:ext>
                 <a:ext uri="{96DAC541-7B7A-43D3-8B79-37D633B846F1}">
-                  <asvg:svgBlip xmlns:asvg="http://schemas.microsoft.com/office/drawing/2016/SVG/main" r:embed="rId4"/>
+                  <asvg:svgBlip xmlns="" xmlns:asvg="http://schemas.microsoft.com/office/drawing/2016/SVG/main" r:embed="rId4"/>
                 </a:ext>
               </a:extLst>
             </a:blip>
@@ -19649,7 +20183,7 @@
                   <a14:useLocalDpi xmlns:a14="http://schemas.microsoft.com/office/drawing/2010/main" val="0"/>
                 </a:ext>
                 <a:ext uri="{96DAC541-7B7A-43D3-8B79-37D633B846F1}">
-                  <asvg:svgBlip xmlns:asvg="http://schemas.microsoft.com/office/drawing/2016/SVG/main" r:embed="rId4"/>
+                  <asvg:svgBlip xmlns="" xmlns:asvg="http://schemas.microsoft.com/office/drawing/2016/SVG/main" r:embed="rId4"/>
                 </a:ext>
               </a:extLst>
             </a:blip>
@@ -20116,7 +20650,7 @@
                   <a14:useLocalDpi xmlns:a14="http://schemas.microsoft.com/office/drawing/2010/main" val="0"/>
                 </a:ext>
                 <a:ext uri="{96DAC541-7B7A-43D3-8B79-37D633B846F1}">
-                  <asvg:svgBlip xmlns:asvg="http://schemas.microsoft.com/office/drawing/2016/SVG/main" r:embed="rId4"/>
+                  <asvg:svgBlip xmlns="" xmlns:asvg="http://schemas.microsoft.com/office/drawing/2016/SVG/main" r:embed="rId4"/>
                 </a:ext>
               </a:extLst>
             </a:blip>
@@ -20401,10 +20935,14 @@
               <a:buNone/>
             </a:pPr>
             <a:r>
-              <a:rPr lang="en"/>
-              <a:t>INTREGAVEIS</a:t>
+              <a:rPr lang="en" dirty="0"/>
+              <a:t>E</a:t>
             </a:r>
-            <a:endParaRPr lang="en-US"/>
+            <a:r>
+              <a:rPr lang="en" dirty="0" smtClean="0"/>
+              <a:t>NTREGAVEIS</a:t>
+            </a:r>
+            <a:endParaRPr lang="en-US" dirty="0"/>
           </a:p>
         </p:txBody>
       </p:sp>

--- a/Documentação/ppts/Apresentação.pptx
+++ b/Documentação/ppts/Apresentação.pptx
@@ -5,7 +5,7 @@
     <p:sldMasterId id="2147483657" r:id="rId1"/>
   </p:sldMasterIdLst>
   <p:notesMasterIdLst>
-    <p:notesMasterId r:id="rId28"/>
+    <p:notesMasterId r:id="rId31"/>
   </p:notesMasterIdLst>
   <p:sldIdLst>
     <p:sldId id="256" r:id="rId2"/>
@@ -25,39 +25,42 @@
     <p:sldId id="302" r:id="rId16"/>
     <p:sldId id="295" r:id="rId17"/>
     <p:sldId id="303" r:id="rId18"/>
-    <p:sldId id="304" r:id="rId19"/>
-    <p:sldId id="298" r:id="rId20"/>
-    <p:sldId id="305" r:id="rId21"/>
-    <p:sldId id="306" r:id="rId22"/>
-    <p:sldId id="308" r:id="rId23"/>
-    <p:sldId id="307" r:id="rId24"/>
-    <p:sldId id="262" r:id="rId25"/>
-    <p:sldId id="279" r:id="rId26"/>
-    <p:sldId id="297" r:id="rId27"/>
+    <p:sldId id="310" r:id="rId19"/>
+    <p:sldId id="311" r:id="rId20"/>
+    <p:sldId id="304" r:id="rId21"/>
+    <p:sldId id="298" r:id="rId22"/>
+    <p:sldId id="307" r:id="rId23"/>
+    <p:sldId id="305" r:id="rId24"/>
+    <p:sldId id="308" r:id="rId25"/>
+    <p:sldId id="309" r:id="rId26"/>
+    <p:sldId id="306" r:id="rId27"/>
+    <p:sldId id="262" r:id="rId28"/>
+    <p:sldId id="279" r:id="rId29"/>
+    <p:sldId id="297" r:id="rId30"/>
   </p:sldIdLst>
   <p:sldSz cx="9144000" cy="5143500" type="screen16x9"/>
   <p:notesSz cx="6858000" cy="9144000"/>
   <p:embeddedFontLst>
     <p:embeddedFont>
-      <p:font typeface="Roboto Condensed" panose="020B0604020202020204" charset="0"/>
-      <p:regular r:id="rId29"/>
-      <p:bold r:id="rId30"/>
-      <p:italic r:id="rId31"/>
-      <p:boldItalic r:id="rId32"/>
-    </p:embeddedFont>
-    <p:embeddedFont>
       <p:font typeface="Roboto Condensed Light" panose="020B0604020202020204" charset="0"/>
-      <p:regular r:id="rId33"/>
-      <p:bold r:id="rId34"/>
-      <p:italic r:id="rId35"/>
-      <p:boldItalic r:id="rId36"/>
+      <p:regular r:id="rId32"/>
+      <p:bold r:id="rId33"/>
+      <p:italic r:id="rId34"/>
+      <p:boldItalic r:id="rId35"/>
     </p:embeddedFont>
     <p:embeddedFont>
       <p:font typeface="Arvo" panose="020B0604020202020204" charset="0"/>
-      <p:regular r:id="rId37"/>
-      <p:bold r:id="rId38"/>
-      <p:italic r:id="rId39"/>
-      <p:boldItalic r:id="rId40"/>
+      <p:regular r:id="rId36"/>
+      <p:bold r:id="rId37"/>
+      <p:italic r:id="rId38"/>
+      <p:boldItalic r:id="rId39"/>
+    </p:embeddedFont>
+    <p:embeddedFont>
+      <p:font typeface="Roboto Condensed" panose="020B0604020202020204" charset="0"/>
+      <p:regular r:id="rId40"/>
+      <p:bold r:id="rId41"/>
+      <p:italic r:id="rId42"/>
+      <p:boldItalic r:id="rId43"/>
     </p:embeddedFont>
   </p:embeddedFontLst>
   <p:defaultTextStyle>
@@ -12923,9 +12926,10 @@
           <a:lstStyle/>
           <a:p>
             <a:r>
-              <a:rPr lang="en-US" dirty="0"/>
-              <a:t>LLD</a:t>
+              <a:rPr lang="en-US" dirty="0" smtClean="0"/>
+              <a:t>BPMN</a:t>
             </a:r>
+            <a:endParaRPr lang="en-US" dirty="0"/>
           </a:p>
         </p:txBody>
       </p:sp>
@@ -12969,28 +12973,28 @@
       </p:sp>
       <p:pic>
         <p:nvPicPr>
-          <p:cNvPr id="6" name="Imagem 5" descr="Diagrama&#10;&#10;Descrição gerada automaticamente">
-            <a:extLst>
-              <a:ext uri="{FF2B5EF4-FFF2-40B4-BE49-F238E27FC236}">
-                <a16:creationId xmlns:a16="http://schemas.microsoft.com/office/drawing/2014/main" id="{17120FCB-814A-4242-9286-4025A57600AC}"/>
-              </a:ext>
-            </a:extLst>
-          </p:cNvPr>
+          <p:cNvPr id="4" name="Imagem 3"/>
           <p:cNvPicPr>
             <a:picLocks noChangeAspect="1"/>
           </p:cNvPicPr>
           <p:nvPr/>
         </p:nvPicPr>
         <p:blipFill>
-          <a:blip r:embed="rId2"/>
+          <a:blip r:embed="rId2">
+            <a:extLst>
+              <a:ext uri="{28A0092B-C50C-407E-A947-70E740481C1C}">
+                <a14:useLocalDpi xmlns:a14="http://schemas.microsoft.com/office/drawing/2010/main" val="0"/>
+              </a:ext>
+            </a:extLst>
+          </a:blip>
           <a:stretch>
             <a:fillRect/>
           </a:stretch>
         </p:blipFill>
         <p:spPr>
           <a:xfrm>
-            <a:off x="38599" y="1380067"/>
-            <a:ext cx="6963333" cy="3763433"/>
+            <a:off x="1" y="974558"/>
+            <a:ext cx="9144000" cy="3661942"/>
           </a:xfrm>
           <a:prstGeom prst="rect">
             <a:avLst/>
@@ -13000,7 +13004,7 @@
     </p:spTree>
     <p:extLst>
       <p:ext uri="{BB962C8B-B14F-4D97-AF65-F5344CB8AC3E}">
-        <p14:creationId xmlns:p14="http://schemas.microsoft.com/office/powerpoint/2010/main" val="400305694"/>
+        <p14:creationId xmlns:p14="http://schemas.microsoft.com/office/powerpoint/2010/main" val="2949660492"/>
       </p:ext>
     </p:extLst>
   </p:cSld>
@@ -13032,7 +13036,7 @@
           <p:cNvPr id="2" name="Title 1">
             <a:extLst>
               <a:ext uri="{FF2B5EF4-FFF2-40B4-BE49-F238E27FC236}">
-                <a16:creationId xmlns:a16="http://schemas.microsoft.com/office/drawing/2014/main" id="{BE024F37-A090-47F7-B2C0-A3D725B94253}"/>
+                <a16:creationId xmlns:a16="http://schemas.microsoft.com/office/drawing/2014/main" id="{86778853-9598-4A4C-8C5B-7AAE352F07FA}"/>
               </a:ext>
             </a:extLst>
           </p:cNvPr>
@@ -13049,9 +13053,14 @@
           <a:lstStyle/>
           <a:p>
             <a:r>
-              <a:rPr lang="en-US"/>
-              <a:t>Modelagem BD</a:t>
+              <a:rPr lang="en-US" dirty="0" smtClean="0"/>
+              <a:t>BPMN - </a:t>
             </a:r>
+            <a:r>
+              <a:rPr lang="en-US" dirty="0" err="1" smtClean="0"/>
+              <a:t>SubProcessos</a:t>
+            </a:r>
+            <a:endParaRPr lang="en-US" dirty="0"/>
           </a:p>
         </p:txBody>
       </p:sp>
@@ -13060,7 +13069,7 @@
           <p:cNvPr id="3" name="Slide Number Placeholder 2">
             <a:extLst>
               <a:ext uri="{FF2B5EF4-FFF2-40B4-BE49-F238E27FC236}">
-                <a16:creationId xmlns:a16="http://schemas.microsoft.com/office/drawing/2014/main" id="{AF289D39-D22B-4A41-8A11-37F7160D5B30}"/>
+                <a16:creationId xmlns:a16="http://schemas.microsoft.com/office/drawing/2014/main" id="{1F5245B7-7F91-452E-8004-F47972E5DA03}"/>
               </a:ext>
             </a:extLst>
           </p:cNvPr>
@@ -13095,28 +13104,28 @@
       </p:sp>
       <p:pic>
         <p:nvPicPr>
-          <p:cNvPr id="4" name="Picture 4" descr="Diagram&#10;&#10;Description automatically generated">
-            <a:extLst>
-              <a:ext uri="{FF2B5EF4-FFF2-40B4-BE49-F238E27FC236}">
-                <a16:creationId xmlns:a16="http://schemas.microsoft.com/office/drawing/2014/main" id="{F4F1E1AD-E4A7-429A-881D-1D8F00635FCB}"/>
-              </a:ext>
-            </a:extLst>
-          </p:cNvPr>
+          <p:cNvPr id="4" name="Imagem 3"/>
           <p:cNvPicPr>
             <a:picLocks noChangeAspect="1"/>
           </p:cNvPicPr>
           <p:nvPr/>
         </p:nvPicPr>
         <p:blipFill>
-          <a:blip r:embed="rId2"/>
+          <a:blip r:embed="rId2">
+            <a:extLst>
+              <a:ext uri="{28A0092B-C50C-407E-A947-70E740481C1C}">
+                <a14:useLocalDpi xmlns:a14="http://schemas.microsoft.com/office/drawing/2010/main" val="0"/>
+              </a:ext>
+            </a:extLst>
+          </a:blip>
           <a:stretch>
             <a:fillRect/>
           </a:stretch>
         </p:blipFill>
         <p:spPr>
           <a:xfrm>
-            <a:off x="290945" y="1317868"/>
-            <a:ext cx="5101936" cy="3827410"/>
+            <a:off x="0" y="1022684"/>
+            <a:ext cx="9105400" cy="3613815"/>
           </a:xfrm>
           <a:prstGeom prst="rect">
             <a:avLst/>
@@ -13126,7 +13135,7 @@
     </p:spTree>
     <p:extLst>
       <p:ext uri="{BB962C8B-B14F-4D97-AF65-F5344CB8AC3E}">
-        <p14:creationId xmlns:p14="http://schemas.microsoft.com/office/powerpoint/2010/main" val="986091564"/>
+        <p14:creationId xmlns:p14="http://schemas.microsoft.com/office/powerpoint/2010/main" val="2232677498"/>
       </p:ext>
     </p:extLst>
   </p:cSld>
@@ -13442,7 +13451,7 @@
             <a:blip r:embed="rId3">
               <a:extLst>
                 <a:ext uri="{96DAC541-7B7A-43D3-8B79-37D633B846F1}">
-                  <asvg:svgBlip xmlns="" xmlns:asvg="http://schemas.microsoft.com/office/drawing/2016/SVG/main" r:embed="rId4"/>
+                  <asvg:svgBlip xmlns:asvg="http://schemas.microsoft.com/office/drawing/2016/SVG/main" xmlns="" r:embed="rId4"/>
                 </a:ext>
               </a:extLst>
             </a:blip>
@@ -13553,7 +13562,7 @@
             <a:blip r:embed="rId5">
               <a:extLst>
                 <a:ext uri="{96DAC541-7B7A-43D3-8B79-37D633B846F1}">
-                  <asvg:svgBlip xmlns="" xmlns:asvg="http://schemas.microsoft.com/office/drawing/2016/SVG/main" r:embed="rId6"/>
+                  <asvg:svgBlip xmlns:asvg="http://schemas.microsoft.com/office/drawing/2016/SVG/main" xmlns="" r:embed="rId6"/>
                 </a:ext>
               </a:extLst>
             </a:blip>
@@ -13796,6 +13805,405 @@
           <p:cNvPr id="2" name="Title 1">
             <a:extLst>
               <a:ext uri="{FF2B5EF4-FFF2-40B4-BE49-F238E27FC236}">
+                <a16:creationId xmlns:a16="http://schemas.microsoft.com/office/drawing/2014/main" id="{86778853-9598-4A4C-8C5B-7AAE352F07FA}"/>
+              </a:ext>
+            </a:extLst>
+          </p:cNvPr>
+          <p:cNvSpPr>
+            <a:spLocks noGrp="1"/>
+          </p:cNvSpPr>
+          <p:nvPr>
+            <p:ph type="title"/>
+          </p:nvPr>
+        </p:nvSpPr>
+        <p:spPr/>
+        <p:txBody>
+          <a:bodyPr/>
+          <a:lstStyle/>
+          <a:p>
+            <a:r>
+              <a:rPr lang="en-US" dirty="0"/>
+              <a:t>LLD</a:t>
+            </a:r>
+          </a:p>
+        </p:txBody>
+      </p:sp>
+      <p:sp>
+        <p:nvSpPr>
+          <p:cNvPr id="3" name="Slide Number Placeholder 2">
+            <a:extLst>
+              <a:ext uri="{FF2B5EF4-FFF2-40B4-BE49-F238E27FC236}">
+                <a16:creationId xmlns:a16="http://schemas.microsoft.com/office/drawing/2014/main" id="{1F5245B7-7F91-452E-8004-F47972E5DA03}"/>
+              </a:ext>
+            </a:extLst>
+          </p:cNvPr>
+          <p:cNvSpPr>
+            <a:spLocks noGrp="1"/>
+          </p:cNvSpPr>
+          <p:nvPr>
+            <p:ph type="sldNum" idx="12"/>
+          </p:nvPr>
+        </p:nvSpPr>
+        <p:spPr/>
+        <p:txBody>
+          <a:bodyPr/>
+          <a:lstStyle/>
+          <a:p>
+            <a:pPr marL="0" lvl="0" indent="0" algn="r" rtl="0">
+              <a:spcBef>
+                <a:spcPts val="0"/>
+              </a:spcBef>
+              <a:spcAft>
+                <a:spcPts val="0"/>
+              </a:spcAft>
+              <a:buNone/>
+            </a:pPr>
+            <a:fld id="{00000000-1234-1234-1234-123412341234}" type="slidenum">
+              <a:rPr lang="en"/>
+              <a:t>20</a:t>
+            </a:fld>
+            <a:endParaRPr lang="en"/>
+          </a:p>
+        </p:txBody>
+      </p:sp>
+      <p:pic>
+        <p:nvPicPr>
+          <p:cNvPr id="6" name="Imagem 5" descr="Diagrama&#10;&#10;Descrição gerada automaticamente">
+            <a:extLst>
+              <a:ext uri="{FF2B5EF4-FFF2-40B4-BE49-F238E27FC236}">
+                <a16:creationId xmlns:a16="http://schemas.microsoft.com/office/drawing/2014/main" id="{17120FCB-814A-4242-9286-4025A57600AC}"/>
+              </a:ext>
+            </a:extLst>
+          </p:cNvPr>
+          <p:cNvPicPr>
+            <a:picLocks noChangeAspect="1"/>
+          </p:cNvPicPr>
+          <p:nvPr/>
+        </p:nvPicPr>
+        <p:blipFill>
+          <a:blip r:embed="rId2"/>
+          <a:stretch>
+            <a:fillRect/>
+          </a:stretch>
+        </p:blipFill>
+        <p:spPr>
+          <a:xfrm>
+            <a:off x="38599" y="1380067"/>
+            <a:ext cx="6963333" cy="3763433"/>
+          </a:xfrm>
+          <a:prstGeom prst="rect">
+            <a:avLst/>
+          </a:prstGeom>
+        </p:spPr>
+      </p:pic>
+    </p:spTree>
+    <p:extLst>
+      <p:ext uri="{BB962C8B-B14F-4D97-AF65-F5344CB8AC3E}">
+        <p14:creationId xmlns:p14="http://schemas.microsoft.com/office/powerpoint/2010/main" val="400305694"/>
+      </p:ext>
+    </p:extLst>
+  </p:cSld>
+  <p:clrMapOvr>
+    <a:masterClrMapping/>
+  </p:clrMapOvr>
+</p:sld>
+</file>
+
+<file path=ppt/slides/slide21.xml><?xml version="1.0" encoding="utf-8"?>
+<p:sld xmlns:a="http://schemas.openxmlformats.org/drawingml/2006/main" xmlns:r="http://schemas.openxmlformats.org/officeDocument/2006/relationships" xmlns:p="http://schemas.openxmlformats.org/presentationml/2006/main">
+  <p:cSld>
+    <p:spTree>
+      <p:nvGrpSpPr>
+        <p:cNvPr id="1" name=""/>
+        <p:cNvGrpSpPr/>
+        <p:nvPr/>
+      </p:nvGrpSpPr>
+      <p:grpSpPr>
+        <a:xfrm>
+          <a:off x="0" y="0"/>
+          <a:ext cx="0" cy="0"/>
+          <a:chOff x="0" y="0"/>
+          <a:chExt cx="0" cy="0"/>
+        </a:xfrm>
+      </p:grpSpPr>
+      <p:sp>
+        <p:nvSpPr>
+          <p:cNvPr id="2" name="Title 1">
+            <a:extLst>
+              <a:ext uri="{FF2B5EF4-FFF2-40B4-BE49-F238E27FC236}">
+                <a16:creationId xmlns:a16="http://schemas.microsoft.com/office/drawing/2014/main" id="{BE024F37-A090-47F7-B2C0-A3D725B94253}"/>
+              </a:ext>
+            </a:extLst>
+          </p:cNvPr>
+          <p:cNvSpPr>
+            <a:spLocks noGrp="1"/>
+          </p:cNvSpPr>
+          <p:nvPr>
+            <p:ph type="title"/>
+          </p:nvPr>
+        </p:nvSpPr>
+        <p:spPr/>
+        <p:txBody>
+          <a:bodyPr/>
+          <a:lstStyle/>
+          <a:p>
+            <a:r>
+              <a:rPr lang="en-US"/>
+              <a:t>Modelagem BD</a:t>
+            </a:r>
+          </a:p>
+        </p:txBody>
+      </p:sp>
+      <p:sp>
+        <p:nvSpPr>
+          <p:cNvPr id="3" name="Slide Number Placeholder 2">
+            <a:extLst>
+              <a:ext uri="{FF2B5EF4-FFF2-40B4-BE49-F238E27FC236}">
+                <a16:creationId xmlns:a16="http://schemas.microsoft.com/office/drawing/2014/main" id="{AF289D39-D22B-4A41-8A11-37F7160D5B30}"/>
+              </a:ext>
+            </a:extLst>
+          </p:cNvPr>
+          <p:cNvSpPr>
+            <a:spLocks noGrp="1"/>
+          </p:cNvSpPr>
+          <p:nvPr>
+            <p:ph type="sldNum" idx="12"/>
+          </p:nvPr>
+        </p:nvSpPr>
+        <p:spPr/>
+        <p:txBody>
+          <a:bodyPr/>
+          <a:lstStyle/>
+          <a:p>
+            <a:pPr marL="0" lvl="0" indent="0" algn="r" rtl="0">
+              <a:spcBef>
+                <a:spcPts val="0"/>
+              </a:spcBef>
+              <a:spcAft>
+                <a:spcPts val="0"/>
+              </a:spcAft>
+              <a:buNone/>
+            </a:pPr>
+            <a:fld id="{00000000-1234-1234-1234-123412341234}" type="slidenum">
+              <a:rPr lang="en"/>
+              <a:t>21</a:t>
+            </a:fld>
+            <a:endParaRPr lang="en"/>
+          </a:p>
+        </p:txBody>
+      </p:sp>
+      <p:pic>
+        <p:nvPicPr>
+          <p:cNvPr id="5" name="Imagem 4"/>
+          <p:cNvPicPr>
+            <a:picLocks noChangeAspect="1"/>
+          </p:cNvPicPr>
+          <p:nvPr/>
+        </p:nvPicPr>
+        <p:blipFill>
+          <a:blip r:embed="rId2">
+            <a:extLst>
+              <a:ext uri="{28A0092B-C50C-407E-A947-70E740481C1C}">
+                <a14:useLocalDpi xmlns:a14="http://schemas.microsoft.com/office/drawing/2010/main" val="0"/>
+              </a:ext>
+            </a:extLst>
+          </a:blip>
+          <a:stretch>
+            <a:fillRect/>
+          </a:stretch>
+        </p:blipFill>
+        <p:spPr>
+          <a:xfrm>
+            <a:off x="-108284" y="992160"/>
+            <a:ext cx="5654842" cy="4151340"/>
+          </a:xfrm>
+          <a:prstGeom prst="rect">
+            <a:avLst/>
+          </a:prstGeom>
+        </p:spPr>
+      </p:pic>
+    </p:spTree>
+    <p:extLst>
+      <p:ext uri="{BB962C8B-B14F-4D97-AF65-F5344CB8AC3E}">
+        <p14:creationId xmlns:p14="http://schemas.microsoft.com/office/powerpoint/2010/main" val="986091564"/>
+      </p:ext>
+    </p:extLst>
+  </p:cSld>
+  <p:clrMapOvr>
+    <a:masterClrMapping/>
+  </p:clrMapOvr>
+</p:sld>
+</file>
+
+<file path=ppt/slides/slide22.xml><?xml version="1.0" encoding="utf-8"?>
+<p:sld xmlns:a="http://schemas.openxmlformats.org/drawingml/2006/main" xmlns:r="http://schemas.openxmlformats.org/officeDocument/2006/relationships" xmlns:p="http://schemas.openxmlformats.org/presentationml/2006/main">
+  <p:cSld>
+    <p:spTree>
+      <p:nvGrpSpPr>
+        <p:cNvPr id="1" name=""/>
+        <p:cNvGrpSpPr/>
+        <p:nvPr/>
+      </p:nvGrpSpPr>
+      <p:grpSpPr>
+        <a:xfrm>
+          <a:off x="0" y="0"/>
+          <a:ext cx="0" cy="0"/>
+          <a:chOff x="0" y="0"/>
+          <a:chExt cx="0" cy="0"/>
+        </a:xfrm>
+      </p:grpSpPr>
+      <p:sp>
+        <p:nvSpPr>
+          <p:cNvPr id="2" name="Title 1">
+            <a:extLst>
+              <a:ext uri="{FF2B5EF4-FFF2-40B4-BE49-F238E27FC236}">
+                <a16:creationId xmlns:a16="http://schemas.microsoft.com/office/drawing/2014/main" id="{BE024F37-A090-47F7-B2C0-A3D725B94253}"/>
+              </a:ext>
+            </a:extLst>
+          </p:cNvPr>
+          <p:cNvSpPr>
+            <a:spLocks noGrp="1"/>
+          </p:cNvSpPr>
+          <p:nvPr>
+            <p:ph type="title"/>
+          </p:nvPr>
+        </p:nvSpPr>
+        <p:spPr/>
+        <p:txBody>
+          <a:bodyPr/>
+          <a:lstStyle/>
+          <a:p>
+            <a:r>
+              <a:rPr lang="en-US" dirty="0" err="1" smtClean="0"/>
+              <a:t>Protótipo</a:t>
+            </a:r>
+            <a:r>
+              <a:rPr lang="en-US" dirty="0" smtClean="0"/>
+              <a:t> de </a:t>
+            </a:r>
+            <a:r>
+              <a:rPr lang="en-US" dirty="0" err="1" smtClean="0"/>
+              <a:t>tela</a:t>
+            </a:r>
+            <a:r>
+              <a:rPr lang="en-US" dirty="0" smtClean="0"/>
+              <a:t> – </a:t>
+            </a:r>
+            <a:r>
+              <a:rPr lang="en-US" dirty="0" err="1" smtClean="0"/>
+              <a:t>WireFrame</a:t>
+            </a:r>
+            <a:r>
+              <a:rPr lang="en-US" dirty="0" smtClean="0"/>
+              <a:t> - Site</a:t>
+            </a:r>
+            <a:endParaRPr lang="en-US" dirty="0"/>
+          </a:p>
+        </p:txBody>
+      </p:sp>
+      <p:sp>
+        <p:nvSpPr>
+          <p:cNvPr id="3" name="Slide Number Placeholder 2">
+            <a:extLst>
+              <a:ext uri="{FF2B5EF4-FFF2-40B4-BE49-F238E27FC236}">
+                <a16:creationId xmlns:a16="http://schemas.microsoft.com/office/drawing/2014/main" id="{AF289D39-D22B-4A41-8A11-37F7160D5B30}"/>
+              </a:ext>
+            </a:extLst>
+          </p:cNvPr>
+          <p:cNvSpPr>
+            <a:spLocks noGrp="1"/>
+          </p:cNvSpPr>
+          <p:nvPr>
+            <p:ph type="sldNum" idx="12"/>
+          </p:nvPr>
+        </p:nvSpPr>
+        <p:spPr/>
+        <p:txBody>
+          <a:bodyPr/>
+          <a:lstStyle/>
+          <a:p>
+            <a:pPr marL="0" lvl="0" indent="0" algn="r" rtl="0">
+              <a:spcBef>
+                <a:spcPts val="0"/>
+              </a:spcBef>
+              <a:spcAft>
+                <a:spcPts val="0"/>
+              </a:spcAft>
+              <a:buNone/>
+            </a:pPr>
+            <a:fld id="{00000000-1234-1234-1234-123412341234}" type="slidenum">
+              <a:rPr lang="en"/>
+              <a:t>22</a:t>
+            </a:fld>
+            <a:endParaRPr lang="en"/>
+          </a:p>
+        </p:txBody>
+      </p:sp>
+      <p:pic>
+        <p:nvPicPr>
+          <p:cNvPr id="5" name="Imagem 4"/>
+          <p:cNvPicPr>
+            <a:picLocks noChangeAspect="1"/>
+          </p:cNvPicPr>
+          <p:nvPr/>
+        </p:nvPicPr>
+        <p:blipFill>
+          <a:blip r:embed="rId2">
+            <a:extLst>
+              <a:ext uri="{28A0092B-C50C-407E-A947-70E740481C1C}">
+                <a14:useLocalDpi xmlns:a14="http://schemas.microsoft.com/office/drawing/2010/main" val="0"/>
+              </a:ext>
+            </a:extLst>
+          </a:blip>
+          <a:stretch>
+            <a:fillRect/>
+          </a:stretch>
+        </p:blipFill>
+        <p:spPr>
+          <a:xfrm>
+            <a:off x="126547" y="1396212"/>
+            <a:ext cx="6477454" cy="3747287"/>
+          </a:xfrm>
+          <a:prstGeom prst="rect">
+            <a:avLst/>
+          </a:prstGeom>
+        </p:spPr>
+      </p:pic>
+    </p:spTree>
+    <p:extLst>
+      <p:ext uri="{BB962C8B-B14F-4D97-AF65-F5344CB8AC3E}">
+        <p14:creationId xmlns:p14="http://schemas.microsoft.com/office/powerpoint/2010/main" val="965726022"/>
+      </p:ext>
+    </p:extLst>
+  </p:cSld>
+  <p:clrMapOvr>
+    <a:masterClrMapping/>
+  </p:clrMapOvr>
+</p:sld>
+</file>
+
+<file path=ppt/slides/slide23.xml><?xml version="1.0" encoding="utf-8"?>
+<p:sld xmlns:a="http://schemas.openxmlformats.org/drawingml/2006/main" xmlns:r="http://schemas.openxmlformats.org/officeDocument/2006/relationships" xmlns:p="http://schemas.openxmlformats.org/presentationml/2006/main">
+  <p:cSld>
+    <p:spTree>
+      <p:nvGrpSpPr>
+        <p:cNvPr id="1" name=""/>
+        <p:cNvGrpSpPr/>
+        <p:nvPr/>
+      </p:nvGrpSpPr>
+      <p:grpSpPr>
+        <a:xfrm>
+          <a:off x="0" y="0"/>
+          <a:ext cx="0" cy="0"/>
+          <a:chOff x="0" y="0"/>
+          <a:chExt cx="0" cy="0"/>
+        </a:xfrm>
+      </p:grpSpPr>
+      <p:sp>
+        <p:nvSpPr>
+          <p:cNvPr id="2" name="Title 1">
+            <a:extLst>
+              <a:ext uri="{FF2B5EF4-FFF2-40B4-BE49-F238E27FC236}">
                 <a16:creationId xmlns:a16="http://schemas.microsoft.com/office/drawing/2014/main" id="{BE024F37-A090-47F7-B2C0-A3D725B94253}"/>
               </a:ext>
             </a:extLst>
@@ -13872,7 +14280,7 @@
             </a:pPr>
             <a:fld id="{00000000-1234-1234-1234-123412341234}" type="slidenum">
               <a:rPr lang="en"/>
-              <a:t>20</a:t>
+              <a:t>23</a:t>
             </a:fld>
             <a:endParaRPr lang="en"/>
           </a:p>
@@ -13921,7 +14329,158 @@
 </p:sld>
 </file>
 
-<file path=ppt/slides/slide21.xml><?xml version="1.0" encoding="utf-8"?>
+<file path=ppt/slides/slide24.xml><?xml version="1.0" encoding="utf-8"?>
+<p:sld xmlns:a="http://schemas.openxmlformats.org/drawingml/2006/main" xmlns:r="http://schemas.openxmlformats.org/officeDocument/2006/relationships" xmlns:p="http://schemas.openxmlformats.org/presentationml/2006/main">
+  <p:cSld>
+    <p:spTree>
+      <p:nvGrpSpPr>
+        <p:cNvPr id="1" name=""/>
+        <p:cNvGrpSpPr/>
+        <p:nvPr/>
+      </p:nvGrpSpPr>
+      <p:grpSpPr>
+        <a:xfrm>
+          <a:off x="0" y="0"/>
+          <a:ext cx="0" cy="0"/>
+          <a:chOff x="0" y="0"/>
+          <a:chExt cx="0" cy="0"/>
+        </a:xfrm>
+      </p:grpSpPr>
+      <p:sp>
+        <p:nvSpPr>
+          <p:cNvPr id="2" name="Title 1">
+            <a:extLst>
+              <a:ext uri="{FF2B5EF4-FFF2-40B4-BE49-F238E27FC236}">
+                <a16:creationId xmlns:a16="http://schemas.microsoft.com/office/drawing/2014/main" id="{BE024F37-A090-47F7-B2C0-A3D725B94253}"/>
+              </a:ext>
+            </a:extLst>
+          </p:cNvPr>
+          <p:cNvSpPr>
+            <a:spLocks noGrp="1"/>
+          </p:cNvSpPr>
+          <p:nvPr>
+            <p:ph type="title"/>
+          </p:nvPr>
+        </p:nvSpPr>
+        <p:spPr/>
+        <p:txBody>
+          <a:bodyPr/>
+          <a:lstStyle/>
+          <a:p>
+            <a:r>
+              <a:rPr lang="en-US" dirty="0" err="1" smtClean="0"/>
+              <a:t>Protótipo</a:t>
+            </a:r>
+            <a:r>
+              <a:rPr lang="en-US" dirty="0" smtClean="0"/>
+              <a:t> de </a:t>
+            </a:r>
+            <a:r>
+              <a:rPr lang="en-US" dirty="0" err="1" smtClean="0"/>
+              <a:t>tela</a:t>
+            </a:r>
+            <a:r>
+              <a:rPr lang="en-US" dirty="0" smtClean="0"/>
+              <a:t> – </a:t>
+            </a:r>
+            <a:r>
+              <a:rPr lang="en-US" dirty="0" err="1" smtClean="0"/>
+              <a:t>WireFrame</a:t>
+            </a:r>
+            <a:r>
+              <a:rPr lang="en-US" dirty="0" smtClean="0"/>
+              <a:t> - </a:t>
+            </a:r>
+            <a:r>
+              <a:rPr lang="en-US" dirty="0" err="1" smtClean="0"/>
+              <a:t>Cadastro</a:t>
+            </a:r>
+            <a:endParaRPr lang="en-US" dirty="0"/>
+          </a:p>
+        </p:txBody>
+      </p:sp>
+      <p:sp>
+        <p:nvSpPr>
+          <p:cNvPr id="3" name="Slide Number Placeholder 2">
+            <a:extLst>
+              <a:ext uri="{FF2B5EF4-FFF2-40B4-BE49-F238E27FC236}">
+                <a16:creationId xmlns:a16="http://schemas.microsoft.com/office/drawing/2014/main" id="{AF289D39-D22B-4A41-8A11-37F7160D5B30}"/>
+              </a:ext>
+            </a:extLst>
+          </p:cNvPr>
+          <p:cNvSpPr>
+            <a:spLocks noGrp="1"/>
+          </p:cNvSpPr>
+          <p:nvPr>
+            <p:ph type="sldNum" idx="12"/>
+          </p:nvPr>
+        </p:nvSpPr>
+        <p:spPr/>
+        <p:txBody>
+          <a:bodyPr/>
+          <a:lstStyle/>
+          <a:p>
+            <a:pPr marL="0" lvl="0" indent="0" algn="r" rtl="0">
+              <a:spcBef>
+                <a:spcPts val="0"/>
+              </a:spcBef>
+              <a:spcAft>
+                <a:spcPts val="0"/>
+              </a:spcAft>
+              <a:buNone/>
+            </a:pPr>
+            <a:fld id="{00000000-1234-1234-1234-123412341234}" type="slidenum">
+              <a:rPr lang="en"/>
+              <a:t>24</a:t>
+            </a:fld>
+            <a:endParaRPr lang="en"/>
+          </a:p>
+        </p:txBody>
+      </p:sp>
+      <p:pic>
+        <p:nvPicPr>
+          <p:cNvPr id="4" name="Imagem 3"/>
+          <p:cNvPicPr>
+            <a:picLocks noChangeAspect="1"/>
+          </p:cNvPicPr>
+          <p:nvPr/>
+        </p:nvPicPr>
+        <p:blipFill>
+          <a:blip r:embed="rId2">
+            <a:extLst>
+              <a:ext uri="{28A0092B-C50C-407E-A947-70E740481C1C}">
+                <a14:useLocalDpi xmlns:a14="http://schemas.microsoft.com/office/drawing/2010/main" val="0"/>
+              </a:ext>
+            </a:extLst>
+          </a:blip>
+          <a:stretch>
+            <a:fillRect/>
+          </a:stretch>
+        </p:blipFill>
+        <p:spPr>
+          <a:xfrm>
+            <a:off x="0" y="1330177"/>
+            <a:ext cx="6653463" cy="3897544"/>
+          </a:xfrm>
+          <a:prstGeom prst="rect">
+            <a:avLst/>
+          </a:prstGeom>
+        </p:spPr>
+      </p:pic>
+    </p:spTree>
+    <p:extLst>
+      <p:ext uri="{BB962C8B-B14F-4D97-AF65-F5344CB8AC3E}">
+        <p14:creationId xmlns:p14="http://schemas.microsoft.com/office/powerpoint/2010/main" val="1326294751"/>
+      </p:ext>
+    </p:extLst>
+  </p:cSld>
+  <p:clrMapOvr>
+    <a:masterClrMapping/>
+  </p:clrMapOvr>
+</p:sld>
+</file>
+
+<file path=ppt/slides/slide25.xml><?xml version="1.0" encoding="utf-8"?>
 <p:sld xmlns:a="http://schemas.openxmlformats.org/drawingml/2006/main" xmlns:r="http://schemas.openxmlformats.org/officeDocument/2006/relationships" xmlns:p="http://schemas.openxmlformats.org/presentationml/2006/main">
   <p:cSld>
     <p:spTree>
@@ -14023,7 +14582,7 @@
             </a:pPr>
             <a:fld id="{00000000-1234-1234-1234-123412341234}" type="slidenum">
               <a:rPr lang="en"/>
-              <a:t>21</a:t>
+              <a:t>25</a:t>
             </a:fld>
             <a:endParaRPr lang="en"/>
           </a:p>
@@ -14051,8 +14610,8 @@
         </p:blipFill>
         <p:spPr>
           <a:xfrm>
-            <a:off x="206557" y="1351424"/>
-            <a:ext cx="6205532" cy="3871098"/>
+            <a:off x="0" y="1299411"/>
+            <a:ext cx="6581274" cy="3844089"/>
           </a:xfrm>
           <a:prstGeom prst="rect">
             <a:avLst/>
@@ -14062,7 +14621,7 @@
     </p:spTree>
     <p:extLst>
       <p:ext uri="{BB962C8B-B14F-4D97-AF65-F5344CB8AC3E}">
-        <p14:creationId xmlns:p14="http://schemas.microsoft.com/office/powerpoint/2010/main" val="3304344068"/>
+        <p14:creationId xmlns:p14="http://schemas.microsoft.com/office/powerpoint/2010/main" val="1619943367"/>
       </p:ext>
     </p:extLst>
   </p:cSld>
@@ -14072,7 +14631,7 @@
 </p:sld>
 </file>
 
-<file path=ppt/slides/slide22.xml><?xml version="1.0" encoding="utf-8"?>
+<file path=ppt/slides/slide26.xml><?xml version="1.0" encoding="utf-8"?>
 <p:sld xmlns:a="http://schemas.openxmlformats.org/drawingml/2006/main" xmlns:r="http://schemas.openxmlformats.org/officeDocument/2006/relationships" xmlns:p="http://schemas.openxmlformats.org/presentationml/2006/main">
   <p:cSld>
     <p:spTree>
@@ -14136,11 +14695,15 @@
             </a:r>
             <a:r>
               <a:rPr lang="en-US" dirty="0" smtClean="0"/>
-              <a:t>- </a:t>
+              <a:t>– </a:t>
             </a:r>
             <a:r>
               <a:rPr lang="en-US" dirty="0" err="1" smtClean="0"/>
-              <a:t>Cadastro</a:t>
+              <a:t>DashBoard</a:t>
+            </a:r>
+            <a:r>
+              <a:rPr lang="en-US" dirty="0" smtClean="0"/>
+              <a:t> Local</a:t>
             </a:r>
             <a:endParaRPr lang="en-US" dirty="0"/>
           </a:p>
@@ -14178,7 +14741,7 @@
             </a:pPr>
             <a:fld id="{00000000-1234-1234-1234-123412341234}" type="slidenum">
               <a:rPr lang="en"/>
-              <a:t>22</a:t>
+              <a:t>26</a:t>
             </a:fld>
             <a:endParaRPr lang="en"/>
           </a:p>
@@ -14206,8 +14769,8 @@
         </p:blipFill>
         <p:spPr>
           <a:xfrm>
-            <a:off x="0" y="1330177"/>
-            <a:ext cx="6653463" cy="3897544"/>
+            <a:off x="206557" y="1351424"/>
+            <a:ext cx="6205532" cy="3871098"/>
           </a:xfrm>
           <a:prstGeom prst="rect">
             <a:avLst/>
@@ -14217,7 +14780,7 @@
     </p:spTree>
     <p:extLst>
       <p:ext uri="{BB962C8B-B14F-4D97-AF65-F5344CB8AC3E}">
-        <p14:creationId xmlns:p14="http://schemas.microsoft.com/office/powerpoint/2010/main" val="1326294751"/>
+        <p14:creationId xmlns:p14="http://schemas.microsoft.com/office/powerpoint/2010/main" val="3304344068"/>
       </p:ext>
     </p:extLst>
   </p:cSld>
@@ -14227,158 +14790,7 @@
 </p:sld>
 </file>
 
-<file path=ppt/slides/slide23.xml><?xml version="1.0" encoding="utf-8"?>
-<p:sld xmlns:a="http://schemas.openxmlformats.org/drawingml/2006/main" xmlns:r="http://schemas.openxmlformats.org/officeDocument/2006/relationships" xmlns:p="http://schemas.openxmlformats.org/presentationml/2006/main">
-  <p:cSld>
-    <p:spTree>
-      <p:nvGrpSpPr>
-        <p:cNvPr id="1" name=""/>
-        <p:cNvGrpSpPr/>
-        <p:nvPr/>
-      </p:nvGrpSpPr>
-      <p:grpSpPr>
-        <a:xfrm>
-          <a:off x="0" y="0"/>
-          <a:ext cx="0" cy="0"/>
-          <a:chOff x="0" y="0"/>
-          <a:chExt cx="0" cy="0"/>
-        </a:xfrm>
-      </p:grpSpPr>
-      <p:sp>
-        <p:nvSpPr>
-          <p:cNvPr id="2" name="Title 1">
-            <a:extLst>
-              <a:ext uri="{FF2B5EF4-FFF2-40B4-BE49-F238E27FC236}">
-                <a16:creationId xmlns:a16="http://schemas.microsoft.com/office/drawing/2014/main" id="{BE024F37-A090-47F7-B2C0-A3D725B94253}"/>
-              </a:ext>
-            </a:extLst>
-          </p:cNvPr>
-          <p:cNvSpPr>
-            <a:spLocks noGrp="1"/>
-          </p:cNvSpPr>
-          <p:nvPr>
-            <p:ph type="title"/>
-          </p:nvPr>
-        </p:nvSpPr>
-        <p:spPr/>
-        <p:txBody>
-          <a:bodyPr/>
-          <a:lstStyle/>
-          <a:p>
-            <a:r>
-              <a:rPr lang="en-US" dirty="0" err="1" smtClean="0"/>
-              <a:t>Protótipo</a:t>
-            </a:r>
-            <a:r>
-              <a:rPr lang="en-US" dirty="0" smtClean="0"/>
-              <a:t> de </a:t>
-            </a:r>
-            <a:r>
-              <a:rPr lang="en-US" dirty="0" err="1" smtClean="0"/>
-              <a:t>tela</a:t>
-            </a:r>
-            <a:r>
-              <a:rPr lang="en-US" dirty="0" smtClean="0"/>
-              <a:t> – </a:t>
-            </a:r>
-            <a:r>
-              <a:rPr lang="en-US" dirty="0" err="1" smtClean="0"/>
-              <a:t>WireFrame</a:t>
-            </a:r>
-            <a:r>
-              <a:rPr lang="en-US" dirty="0" smtClean="0"/>
-              <a:t> </a:t>
-            </a:r>
-            <a:r>
-              <a:rPr lang="en-US" dirty="0" smtClean="0"/>
-              <a:t>- Site</a:t>
-            </a:r>
-            <a:endParaRPr lang="en-US" dirty="0"/>
-          </a:p>
-        </p:txBody>
-      </p:sp>
-      <p:sp>
-        <p:nvSpPr>
-          <p:cNvPr id="3" name="Slide Number Placeholder 2">
-            <a:extLst>
-              <a:ext uri="{FF2B5EF4-FFF2-40B4-BE49-F238E27FC236}">
-                <a16:creationId xmlns:a16="http://schemas.microsoft.com/office/drawing/2014/main" id="{AF289D39-D22B-4A41-8A11-37F7160D5B30}"/>
-              </a:ext>
-            </a:extLst>
-          </p:cNvPr>
-          <p:cNvSpPr>
-            <a:spLocks noGrp="1"/>
-          </p:cNvSpPr>
-          <p:nvPr>
-            <p:ph type="sldNum" idx="12"/>
-          </p:nvPr>
-        </p:nvSpPr>
-        <p:spPr/>
-        <p:txBody>
-          <a:bodyPr/>
-          <a:lstStyle/>
-          <a:p>
-            <a:pPr marL="0" lvl="0" indent="0" algn="r" rtl="0">
-              <a:spcBef>
-                <a:spcPts val="0"/>
-              </a:spcBef>
-              <a:spcAft>
-                <a:spcPts val="0"/>
-              </a:spcAft>
-              <a:buNone/>
-            </a:pPr>
-            <a:fld id="{00000000-1234-1234-1234-123412341234}" type="slidenum">
-              <a:rPr lang="en"/>
-              <a:t>23</a:t>
-            </a:fld>
-            <a:endParaRPr lang="en"/>
-          </a:p>
-        </p:txBody>
-      </p:sp>
-      <p:pic>
-        <p:nvPicPr>
-          <p:cNvPr id="5" name="Imagem 4"/>
-          <p:cNvPicPr>
-            <a:picLocks noChangeAspect="1"/>
-          </p:cNvPicPr>
-          <p:nvPr/>
-        </p:nvPicPr>
-        <p:blipFill>
-          <a:blip r:embed="rId2">
-            <a:extLst>
-              <a:ext uri="{28A0092B-C50C-407E-A947-70E740481C1C}">
-                <a14:useLocalDpi xmlns:a14="http://schemas.microsoft.com/office/drawing/2010/main" val="0"/>
-              </a:ext>
-            </a:extLst>
-          </a:blip>
-          <a:stretch>
-            <a:fillRect/>
-          </a:stretch>
-        </p:blipFill>
-        <p:spPr>
-          <a:xfrm>
-            <a:off x="126547" y="1396212"/>
-            <a:ext cx="6477454" cy="3747287"/>
-          </a:xfrm>
-          <a:prstGeom prst="rect">
-            <a:avLst/>
-          </a:prstGeom>
-        </p:spPr>
-      </p:pic>
-    </p:spTree>
-    <p:extLst>
-      <p:ext uri="{BB962C8B-B14F-4D97-AF65-F5344CB8AC3E}">
-        <p14:creationId xmlns:p14="http://schemas.microsoft.com/office/powerpoint/2010/main" val="965726022"/>
-      </p:ext>
-    </p:extLst>
-  </p:cSld>
-  <p:clrMapOvr>
-    <a:masterClrMapping/>
-  </p:clrMapOvr>
-</p:sld>
-</file>
-
-<file path=ppt/slides/slide24.xml><?xml version="1.0" encoding="utf-8"?>
+<file path=ppt/slides/slide27.xml><?xml version="1.0" encoding="utf-8"?>
 <p:sld xmlns:a="http://schemas.openxmlformats.org/drawingml/2006/main" xmlns:r="http://schemas.openxmlformats.org/officeDocument/2006/relationships" xmlns:p="http://schemas.openxmlformats.org/presentationml/2006/main">
   <p:cSld>
     <p:spTree>
@@ -18034,7 +18446,7 @@
             </a:pPr>
             <a:fld id="{00000000-1234-1234-1234-123412341234}" type="slidenum">
               <a:rPr lang="en"/>
-              <a:t>24</a:t>
+              <a:t>27</a:t>
             </a:fld>
             <a:endParaRPr/>
           </a:p>
@@ -18048,7 +18460,7 @@
 </p:sld>
 </file>
 
-<file path=ppt/slides/slide25.xml><?xml version="1.0" encoding="utf-8"?>
+<file path=ppt/slides/slide28.xml><?xml version="1.0" encoding="utf-8"?>
 <p:sld xmlns:a="http://schemas.openxmlformats.org/drawingml/2006/main" xmlns:r="http://schemas.openxmlformats.org/officeDocument/2006/relationships" xmlns:p="http://schemas.openxmlformats.org/presentationml/2006/main">
   <p:cSld>
     <p:spTree>
@@ -18101,7 +18513,7 @@
             </a:pPr>
             <a:fld id="{00000000-1234-1234-1234-123412341234}" type="slidenum">
               <a:rPr lang="en"/>
-              <a:t>25</a:t>
+              <a:t>28</a:t>
             </a:fld>
             <a:endParaRPr/>
           </a:p>
@@ -18160,7 +18572,7 @@
 </p:sld>
 </file>
 
-<file path=ppt/slides/slide26.xml><?xml version="1.0" encoding="utf-8"?>
+<file path=ppt/slides/slide29.xml><?xml version="1.0" encoding="utf-8"?>
 <p:sld xmlns:a="http://schemas.openxmlformats.org/drawingml/2006/main" xmlns:r="http://schemas.openxmlformats.org/officeDocument/2006/relationships" xmlns:p="http://schemas.openxmlformats.org/presentationml/2006/main">
   <p:cSld>
     <p:spTree>
@@ -18213,7 +18625,7 @@
             </a:pPr>
             <a:fld id="{00000000-1234-1234-1234-123412341234}" type="slidenum">
               <a:rPr lang="en"/>
-              <a:t>26</a:t>
+              <a:t>29</a:t>
             </a:fld>
             <a:endParaRPr/>
           </a:p>
@@ -19115,7 +19527,7 @@
           <a:blip r:embed="rId4">
             <a:extLst>
               <a:ext uri="{96DAC541-7B7A-43D3-8B79-37D633B846F1}">
-                <asvg:svgBlip xmlns="" xmlns:asvg="http://schemas.microsoft.com/office/drawing/2016/SVG/main" r:embed="rId5"/>
+                <asvg:svgBlip xmlns:asvg="http://schemas.microsoft.com/office/drawing/2016/SVG/main" xmlns="" r:embed="rId5"/>
               </a:ext>
             </a:extLst>
           </a:blip>
@@ -19316,7 +19728,7 @@
           <a:blip r:embed="rId3">
             <a:extLst>
               <a:ext uri="{96DAC541-7B7A-43D3-8B79-37D633B846F1}">
-                <asvg:svgBlip xmlns="" xmlns:asvg="http://schemas.microsoft.com/office/drawing/2016/SVG/main" r:embed="rId4"/>
+                <asvg:svgBlip xmlns:asvg="http://schemas.microsoft.com/office/drawing/2016/SVG/main" xmlns="" r:embed="rId4"/>
               </a:ext>
             </a:extLst>
           </a:blip>
@@ -19740,7 +20152,7 @@
                   <a14:useLocalDpi xmlns:a14="http://schemas.microsoft.com/office/drawing/2010/main" val="0"/>
                 </a:ext>
                 <a:ext uri="{96DAC541-7B7A-43D3-8B79-37D633B846F1}">
-                  <asvg:svgBlip xmlns="" xmlns:asvg="http://schemas.microsoft.com/office/drawing/2016/SVG/main" r:embed="rId4"/>
+                  <asvg:svgBlip xmlns:asvg="http://schemas.microsoft.com/office/drawing/2016/SVG/main" xmlns="" r:embed="rId4"/>
                 </a:ext>
               </a:extLst>
             </a:blip>
@@ -20183,7 +20595,7 @@
                   <a14:useLocalDpi xmlns:a14="http://schemas.microsoft.com/office/drawing/2010/main" val="0"/>
                 </a:ext>
                 <a:ext uri="{96DAC541-7B7A-43D3-8B79-37D633B846F1}">
-                  <asvg:svgBlip xmlns="" xmlns:asvg="http://schemas.microsoft.com/office/drawing/2016/SVG/main" r:embed="rId4"/>
+                  <asvg:svgBlip xmlns:asvg="http://schemas.microsoft.com/office/drawing/2016/SVG/main" xmlns="" r:embed="rId4"/>
                 </a:ext>
               </a:extLst>
             </a:blip>
@@ -20650,7 +21062,7 @@
                   <a14:useLocalDpi xmlns:a14="http://schemas.microsoft.com/office/drawing/2010/main" val="0"/>
                 </a:ext>
                 <a:ext uri="{96DAC541-7B7A-43D3-8B79-37D633B846F1}">
-                  <asvg:svgBlip xmlns="" xmlns:asvg="http://schemas.microsoft.com/office/drawing/2016/SVG/main" r:embed="rId4"/>
+                  <asvg:svgBlip xmlns:asvg="http://schemas.microsoft.com/office/drawing/2016/SVG/main" xmlns="" r:embed="rId4"/>
                 </a:ext>
               </a:extLst>
             </a:blip>

--- a/Documentação/ppts/Apresentação.pptx
+++ b/Documentação/ppts/Apresentação.pptx
@@ -42,21 +42,21 @@
   <p:notesSz cx="6858000" cy="9144000"/>
   <p:embeddedFontLst>
     <p:embeddedFont>
-      <p:font typeface="Roboto Condensed Light" panose="020B0604020202020204" charset="0"/>
+      <p:font typeface="Arvo" panose="020B0604020202020204" charset="0"/>
       <p:regular r:id="rId32"/>
       <p:bold r:id="rId33"/>
       <p:italic r:id="rId34"/>
       <p:boldItalic r:id="rId35"/>
     </p:embeddedFont>
     <p:embeddedFont>
-      <p:font typeface="Arvo" panose="020B0604020202020204" charset="0"/>
+      <p:font typeface="Roboto Condensed" panose="020B0604020202020204" pitchFamily="2" charset="0"/>
       <p:regular r:id="rId36"/>
       <p:bold r:id="rId37"/>
       <p:italic r:id="rId38"/>
       <p:boldItalic r:id="rId39"/>
     </p:embeddedFont>
     <p:embeddedFont>
-      <p:font typeface="Roboto Condensed" panose="020B0604020202020204" charset="0"/>
+      <p:font typeface="Roboto Condensed Light" panose="02000000000000000000" pitchFamily="2" charset="0"/>
       <p:regular r:id="rId40"/>
       <p:bold r:id="rId41"/>
       <p:italic r:id="rId42"/>
@@ -10891,10 +10891,6 @@
           </a:bodyPr>
           <a:lstStyle/>
           <a:p>
-            <a:r>
-              <a:rPr lang="en" sz="3200" dirty="0"/>
-              <a:t/>
-            </a:r>
             <a:br>
               <a:rPr lang="en" sz="3200" dirty="0"/>
             </a:br>
@@ -12720,10 +12716,10 @@
       </p:cxnSp>
       <p:pic>
         <p:nvPicPr>
-          <p:cNvPr id="7" name="Picture 7">
+          <p:cNvPr id="4" name="Imagem 3">
             <a:extLst>
               <a:ext uri="{FF2B5EF4-FFF2-40B4-BE49-F238E27FC236}">
-                <a16:creationId xmlns:a16="http://schemas.microsoft.com/office/drawing/2014/main" id="{56B9381F-97AA-4D40-A848-14307F63640B}"/>
+                <a16:creationId xmlns:a16="http://schemas.microsoft.com/office/drawing/2014/main" id="{D03C31CE-2E52-4893-AF8A-3DE8BC7E9E4C}"/>
               </a:ext>
             </a:extLst>
           </p:cNvPr>
@@ -12740,8 +12736,8 @@
         </p:blipFill>
         <p:spPr>
           <a:xfrm>
-            <a:off x="-24116" y="1325772"/>
-            <a:ext cx="6873096" cy="3872182"/>
+            <a:off x="0" y="1166376"/>
+            <a:ext cx="7070440" cy="3977123"/>
           </a:xfrm>
           <a:prstGeom prst="rect">
             <a:avLst/>
@@ -12926,10 +12922,9 @@
           <a:lstStyle/>
           <a:p>
             <a:r>
-              <a:rPr lang="en-US" dirty="0" smtClean="0"/>
+              <a:rPr lang="en-US" dirty="0"/>
               <a:t>BPMN</a:t>
             </a:r>
-            <a:endParaRPr lang="en-US" dirty="0"/>
           </a:p>
         </p:txBody>
       </p:sp>
@@ -13053,11 +13048,11 @@
           <a:lstStyle/>
           <a:p>
             <a:r>
-              <a:rPr lang="en-US" dirty="0" smtClean="0"/>
+              <a:rPr lang="en-US" dirty="0"/>
               <a:t>BPMN - </a:t>
             </a:r>
             <a:r>
-              <a:rPr lang="en-US" dirty="0" err="1" smtClean="0"/>
+              <a:rPr lang="en-US" dirty="0" err="1"/>
               <a:t>SubProcessos</a:t>
             </a:r>
             <a:endParaRPr lang="en-US" dirty="0"/>
@@ -13451,7 +13446,7 @@
             <a:blip r:embed="rId3">
               <a:extLst>
                 <a:ext uri="{96DAC541-7B7A-43D3-8B79-37D633B846F1}">
-                  <asvg:svgBlip xmlns:asvg="http://schemas.microsoft.com/office/drawing/2016/SVG/main" xmlns="" r:embed="rId4"/>
+                  <asvg:svgBlip xmlns:asvg="http://schemas.microsoft.com/office/drawing/2016/SVG/main" r:embed="rId4"/>
                 </a:ext>
               </a:extLst>
             </a:blip>
@@ -13562,7 +13557,7 @@
             <a:blip r:embed="rId5">
               <a:extLst>
                 <a:ext uri="{96DAC541-7B7A-43D3-8B79-37D633B846F1}">
-                  <asvg:svgBlip xmlns:asvg="http://schemas.microsoft.com/office/drawing/2016/SVG/main" xmlns="" r:embed="rId6"/>
+                  <asvg:svgBlip xmlns:asvg="http://schemas.microsoft.com/office/drawing/2016/SVG/main" r:embed="rId6"/>
                 </a:ext>
               </a:extLst>
             </a:blip>
@@ -13639,10 +13634,9 @@
               <a:buChar char="•"/>
             </a:pPr>
             <a:r>
-              <a:rPr lang="pt-BR" sz="1600" dirty="0" smtClean="0"/>
+              <a:rPr lang="pt-BR" sz="1600" dirty="0"/>
               <a:t>Crescimento de 22% a 25% em 2021</a:t>
             </a:r>
-            <a:endParaRPr lang="pt-BR" sz="1600" dirty="0"/>
           </a:p>
           <a:p>
             <a:endParaRPr lang="pt-BR" sz="1600" dirty="0"/>
@@ -13653,7 +13647,7 @@
               <a:buChar char="•"/>
             </a:pPr>
             <a:r>
-              <a:rPr lang="pt-BR" sz="1600" dirty="0" smtClean="0"/>
+              <a:rPr lang="pt-BR" sz="1600" dirty="0"/>
               <a:t>Crescimento de 31% em média no gasto</a:t>
             </a:r>
           </a:p>
@@ -13671,13 +13665,8 @@
             </a:pPr>
             <a:r>
               <a:rPr lang="pt-BR" sz="1600" dirty="0"/>
-              <a:t>Aumento no </a:t>
+              <a:t>Aumento no consumo</a:t>
             </a:r>
-            <a:r>
-              <a:rPr lang="pt-BR" sz="1600" dirty="0" smtClean="0"/>
-              <a:t>consumo</a:t>
-            </a:r>
-            <a:endParaRPr lang="pt-BR" sz="1600" dirty="0"/>
           </a:p>
           <a:p>
             <a:pPr marL="285750" indent="-285750">
@@ -13724,7 +13713,7 @@
               <a:buChar char="•"/>
             </a:pPr>
             <a:r>
-              <a:rPr lang="pt-BR" sz="1600" dirty="0" smtClean="0"/>
+              <a:rPr lang="pt-BR" sz="1600" dirty="0"/>
               <a:t>Movimento no mercado brasileiro de 53,7 bilhões</a:t>
             </a:r>
           </a:p>
@@ -13741,10 +13730,9 @@
               <a:buChar char="•"/>
             </a:pPr>
             <a:r>
-              <a:rPr lang="pt-BR" sz="1600" dirty="0" smtClean="0"/>
+              <a:rPr lang="pt-BR" sz="1600" dirty="0"/>
               <a:t>Estados Unidos lidera com 290,2 bilhões  </a:t>
             </a:r>
-            <a:endParaRPr lang="pt-BR" sz="1600" dirty="0"/>
           </a:p>
           <a:p>
             <a:pPr marL="285750" indent="-285750">
@@ -14014,7 +14002,7 @@
         </p:blipFill>
         <p:spPr>
           <a:xfrm>
-            <a:off x="-108284" y="992160"/>
+            <a:off x="234616" y="1074710"/>
             <a:ext cx="5654842" cy="4151340"/>
           </a:xfrm>
           <a:prstGeom prst="rect">
@@ -14074,30 +14062,29 @@
           <a:lstStyle/>
           <a:p>
             <a:r>
-              <a:rPr lang="en-US" dirty="0" err="1" smtClean="0"/>
+              <a:rPr lang="en-US" dirty="0" err="1"/>
               <a:t>Protótipo</a:t>
             </a:r>
             <a:r>
-              <a:rPr lang="en-US" dirty="0" smtClean="0"/>
+              <a:rPr lang="en-US" dirty="0"/>
               <a:t> de </a:t>
             </a:r>
             <a:r>
-              <a:rPr lang="en-US" dirty="0" err="1" smtClean="0"/>
+              <a:rPr lang="en-US" dirty="0" err="1"/>
               <a:t>tela</a:t>
             </a:r>
             <a:r>
-              <a:rPr lang="en-US" dirty="0" smtClean="0"/>
+              <a:rPr lang="en-US" dirty="0"/>
               <a:t> – </a:t>
             </a:r>
             <a:r>
-              <a:rPr lang="en-US" dirty="0" err="1" smtClean="0"/>
+              <a:rPr lang="en-US" dirty="0" err="1"/>
               <a:t>WireFrame</a:t>
             </a:r>
             <a:r>
-              <a:rPr lang="en-US" dirty="0" smtClean="0"/>
+              <a:rPr lang="en-US" dirty="0"/>
               <a:t> - Site</a:t>
             </a:r>
-            <a:endParaRPr lang="en-US" dirty="0"/>
           </a:p>
         </p:txBody>
       </p:sp>
@@ -14221,30 +14208,29 @@
           <a:lstStyle/>
           <a:p>
             <a:r>
-              <a:rPr lang="en-US" dirty="0" err="1" smtClean="0"/>
+              <a:rPr lang="en-US" dirty="0" err="1"/>
               <a:t>Protótipo</a:t>
             </a:r>
             <a:r>
-              <a:rPr lang="en-US" dirty="0" smtClean="0"/>
+              <a:rPr lang="en-US" dirty="0"/>
               <a:t> de </a:t>
             </a:r>
             <a:r>
-              <a:rPr lang="en-US" dirty="0" err="1" smtClean="0"/>
+              <a:rPr lang="en-US" dirty="0" err="1"/>
               <a:t>tela</a:t>
             </a:r>
             <a:r>
-              <a:rPr lang="en-US" dirty="0" smtClean="0"/>
+              <a:rPr lang="en-US" dirty="0"/>
               <a:t> – </a:t>
             </a:r>
             <a:r>
-              <a:rPr lang="en-US" dirty="0" err="1" smtClean="0"/>
+              <a:rPr lang="en-US" dirty="0" err="1"/>
               <a:t>WireFrame</a:t>
             </a:r>
             <a:r>
-              <a:rPr lang="en-US" dirty="0" smtClean="0"/>
+              <a:rPr lang="en-US" dirty="0"/>
               <a:t> - Login</a:t>
             </a:r>
-            <a:endParaRPr lang="en-US" dirty="0"/>
           </a:p>
         </p:txBody>
       </p:sp>
@@ -14368,31 +14354,31 @@
           <a:lstStyle/>
           <a:p>
             <a:r>
-              <a:rPr lang="en-US" dirty="0" err="1" smtClean="0"/>
+              <a:rPr lang="en-US" dirty="0" err="1"/>
               <a:t>Protótipo</a:t>
             </a:r>
             <a:r>
-              <a:rPr lang="en-US" dirty="0" smtClean="0"/>
+              <a:rPr lang="en-US" dirty="0"/>
               <a:t> de </a:t>
             </a:r>
             <a:r>
-              <a:rPr lang="en-US" dirty="0" err="1" smtClean="0"/>
+              <a:rPr lang="en-US" dirty="0" err="1"/>
               <a:t>tela</a:t>
             </a:r>
             <a:r>
-              <a:rPr lang="en-US" dirty="0" smtClean="0"/>
+              <a:rPr lang="en-US" dirty="0"/>
               <a:t> – </a:t>
             </a:r>
             <a:r>
-              <a:rPr lang="en-US" dirty="0" err="1" smtClean="0"/>
+              <a:rPr lang="en-US" dirty="0" err="1"/>
               <a:t>WireFrame</a:t>
             </a:r>
             <a:r>
-              <a:rPr lang="en-US" dirty="0" smtClean="0"/>
+              <a:rPr lang="en-US" dirty="0"/>
               <a:t> - </a:t>
             </a:r>
             <a:r>
-              <a:rPr lang="en-US" dirty="0" err="1" smtClean="0"/>
+              <a:rPr lang="en-US" dirty="0" err="1"/>
               <a:t>Cadastro</a:t>
             </a:r>
             <a:endParaRPr lang="en-US" dirty="0"/>
@@ -14519,31 +14505,31 @@
           <a:lstStyle/>
           <a:p>
             <a:r>
-              <a:rPr lang="en-US" dirty="0" err="1" smtClean="0"/>
+              <a:rPr lang="en-US" dirty="0" err="1"/>
               <a:t>Protótipo</a:t>
             </a:r>
             <a:r>
-              <a:rPr lang="en-US" dirty="0" smtClean="0"/>
+              <a:rPr lang="en-US" dirty="0"/>
               <a:t> de </a:t>
             </a:r>
             <a:r>
-              <a:rPr lang="en-US" dirty="0" err="1" smtClean="0"/>
+              <a:rPr lang="en-US" dirty="0" err="1"/>
               <a:t>tela</a:t>
             </a:r>
             <a:r>
-              <a:rPr lang="en-US" dirty="0" smtClean="0"/>
+              <a:rPr lang="en-US" dirty="0"/>
               <a:t> – </a:t>
             </a:r>
             <a:r>
-              <a:rPr lang="en-US" dirty="0" err="1" smtClean="0"/>
+              <a:rPr lang="en-US" dirty="0" err="1"/>
               <a:t>WireFrame</a:t>
             </a:r>
             <a:r>
-              <a:rPr lang="en-US" dirty="0" smtClean="0"/>
+              <a:rPr lang="en-US" dirty="0"/>
               <a:t> - </a:t>
             </a:r>
             <a:r>
-              <a:rPr lang="en-US" dirty="0" err="1" smtClean="0"/>
+              <a:rPr lang="en-US" dirty="0" err="1"/>
               <a:t>DashBoard</a:t>
             </a:r>
             <a:endParaRPr lang="en-US" dirty="0"/>
@@ -14670,42 +14656,37 @@
           <a:lstStyle/>
           <a:p>
             <a:r>
-              <a:rPr lang="en-US" dirty="0" err="1" smtClean="0"/>
+              <a:rPr lang="en-US" dirty="0" err="1"/>
               <a:t>Protótipo</a:t>
             </a:r>
             <a:r>
-              <a:rPr lang="en-US" dirty="0" smtClean="0"/>
+              <a:rPr lang="en-US" dirty="0"/>
               <a:t> de </a:t>
             </a:r>
             <a:r>
-              <a:rPr lang="en-US" dirty="0" err="1" smtClean="0"/>
+              <a:rPr lang="en-US" dirty="0" err="1"/>
               <a:t>tela</a:t>
             </a:r>
             <a:r>
-              <a:rPr lang="en-US" dirty="0" smtClean="0"/>
+              <a:rPr lang="en-US" dirty="0"/>
               <a:t> – </a:t>
             </a:r>
             <a:r>
-              <a:rPr lang="en-US" dirty="0" err="1" smtClean="0"/>
+              <a:rPr lang="en-US" dirty="0" err="1"/>
               <a:t>WireFrame</a:t>
             </a:r>
             <a:r>
-              <a:rPr lang="en-US" dirty="0" smtClean="0"/>
-              <a:t> </a:t>
+              <a:rPr lang="en-US" dirty="0"/>
+              <a:t> – </a:t>
             </a:r>
             <a:r>
-              <a:rPr lang="en-US" dirty="0" smtClean="0"/>
-              <a:t>– </a:t>
-            </a:r>
-            <a:r>
-              <a:rPr lang="en-US" dirty="0" err="1" smtClean="0"/>
+              <a:rPr lang="en-US" dirty="0" err="1"/>
               <a:t>DashBoard</a:t>
             </a:r>
             <a:r>
-              <a:rPr lang="en-US" dirty="0" smtClean="0"/>
+              <a:rPr lang="en-US" dirty="0"/>
               <a:t> Local</a:t>
             </a:r>
-            <a:endParaRPr lang="en-US" dirty="0"/>
           </a:p>
         </p:txBody>
       </p:sp>
@@ -14838,21 +14819,8 @@
                   <a:schemeClr val="accent5"/>
                 </a:solidFill>
               </a:rPr>
-              <a:t>SITE/ PLANNER/ </a:t>
+              <a:t>SITE/ PLANNER/ API/ DASHBOARD</a:t>
             </a:r>
-            <a:r>
-              <a:rPr lang="en" sz="6600" dirty="0" smtClean="0">
-                <a:solidFill>
-                  <a:schemeClr val="accent5"/>
-                </a:solidFill>
-              </a:rPr>
-              <a:t>API/ DASHBOARD</a:t>
-            </a:r>
-            <a:endParaRPr lang="en" sz="6600" dirty="0">
-              <a:solidFill>
-                <a:schemeClr val="accent5"/>
-              </a:solidFill>
-            </a:endParaRPr>
           </a:p>
         </p:txBody>
       </p:sp>
@@ -19527,7 +19495,7 @@
           <a:blip r:embed="rId4">
             <a:extLst>
               <a:ext uri="{96DAC541-7B7A-43D3-8B79-37D633B846F1}">
-                <asvg:svgBlip xmlns:asvg="http://schemas.microsoft.com/office/drawing/2016/SVG/main" xmlns="" r:embed="rId5"/>
+                <asvg:svgBlip xmlns:asvg="http://schemas.microsoft.com/office/drawing/2016/SVG/main" r:embed="rId5"/>
               </a:ext>
             </a:extLst>
           </a:blip>
@@ -19728,7 +19696,7 @@
           <a:blip r:embed="rId3">
             <a:extLst>
               <a:ext uri="{96DAC541-7B7A-43D3-8B79-37D633B846F1}">
-                <asvg:svgBlip xmlns:asvg="http://schemas.microsoft.com/office/drawing/2016/SVG/main" xmlns="" r:embed="rId4"/>
+                <asvg:svgBlip xmlns:asvg="http://schemas.microsoft.com/office/drawing/2016/SVG/main" r:embed="rId4"/>
               </a:ext>
             </a:extLst>
           </a:blip>
@@ -20152,7 +20120,7 @@
                   <a14:useLocalDpi xmlns:a14="http://schemas.microsoft.com/office/drawing/2010/main" val="0"/>
                 </a:ext>
                 <a:ext uri="{96DAC541-7B7A-43D3-8B79-37D633B846F1}">
-                  <asvg:svgBlip xmlns:asvg="http://schemas.microsoft.com/office/drawing/2016/SVG/main" xmlns="" r:embed="rId4"/>
+                  <asvg:svgBlip xmlns:asvg="http://schemas.microsoft.com/office/drawing/2016/SVG/main" r:embed="rId4"/>
                 </a:ext>
               </a:extLst>
             </a:blip>
@@ -20595,7 +20563,7 @@
                   <a14:useLocalDpi xmlns:a14="http://schemas.microsoft.com/office/drawing/2010/main" val="0"/>
                 </a:ext>
                 <a:ext uri="{96DAC541-7B7A-43D3-8B79-37D633B846F1}">
-                  <asvg:svgBlip xmlns:asvg="http://schemas.microsoft.com/office/drawing/2016/SVG/main" xmlns="" r:embed="rId4"/>
+                  <asvg:svgBlip xmlns:asvg="http://schemas.microsoft.com/office/drawing/2016/SVG/main" r:embed="rId4"/>
                 </a:ext>
               </a:extLst>
             </a:blip>
@@ -20817,7 +20785,7 @@
                   <a:schemeClr val="bg1"/>
                 </a:solidFill>
               </a:rPr>
-              <a:t>Perca de clientes</a:t>
+              <a:t>Perda de clientes</a:t>
             </a:r>
           </a:p>
         </p:txBody>
@@ -21062,7 +21030,7 @@
                   <a14:useLocalDpi xmlns:a14="http://schemas.microsoft.com/office/drawing/2010/main" val="0"/>
                 </a:ext>
                 <a:ext uri="{96DAC541-7B7A-43D3-8B79-37D633B846F1}">
-                  <asvg:svgBlip xmlns:asvg="http://schemas.microsoft.com/office/drawing/2016/SVG/main" xmlns="" r:embed="rId4"/>
+                  <asvg:svgBlip xmlns:asvg="http://schemas.microsoft.com/office/drawing/2016/SVG/main" r:embed="rId4"/>
                 </a:ext>
               </a:extLst>
             </a:blip>
@@ -21348,11 +21316,7 @@
             </a:pPr>
             <a:r>
               <a:rPr lang="en" dirty="0"/>
-              <a:t>E</a:t>
-            </a:r>
-            <a:r>
-              <a:rPr lang="en" dirty="0" smtClean="0"/>
-              <a:t>NTREGAVEIS</a:t>
+              <a:t>ENTREGAVEIS</a:t>
             </a:r>
             <a:endParaRPr lang="en-US" dirty="0"/>
           </a:p>
